--- a/卒業論文/2015/春川直幸/中間審査発表/卒論中間発表ポスター.pptx
+++ b/卒業論文/2015/春川直幸/中間審査発表/卒論中間発表ポスター.pptx
@@ -211,7 +211,7 @@
           <a:p>
             <a:fld id="{1355B614-8C80-42CD-A0C7-A8AC0A708725}" type="datetimeFigureOut">
               <a:rPr kumimoji="1" lang="ja-JP" altLang="en-US" smtClean="0"/>
-              <a:t>2016/10/7</a:t>
+              <a:t>2016/10/12</a:t>
             </a:fld>
             <a:endParaRPr kumimoji="1" lang="ja-JP" altLang="en-US"/>
           </a:p>
@@ -726,7 +726,7 @@
           <a:p>
             <a:fld id="{CD18CB5A-6947-405F-A94A-52FF85729738}" type="datetimeFigureOut">
               <a:rPr kumimoji="1" lang="ja-JP" altLang="en-US" smtClean="0"/>
-              <a:t>2016/10/7</a:t>
+              <a:t>2016/10/12</a:t>
             </a:fld>
             <a:endParaRPr kumimoji="1" lang="ja-JP" altLang="en-US"/>
           </a:p>
@@ -928,7 +928,7 @@
           <a:p>
             <a:fld id="{CD18CB5A-6947-405F-A94A-52FF85729738}" type="datetimeFigureOut">
               <a:rPr kumimoji="1" lang="ja-JP" altLang="en-US" smtClean="0"/>
-              <a:t>2016/10/7</a:t>
+              <a:t>2016/10/12</a:t>
             </a:fld>
             <a:endParaRPr kumimoji="1" lang="ja-JP" altLang="en-US"/>
           </a:p>
@@ -1140,7 +1140,7 @@
           <a:p>
             <a:fld id="{CD18CB5A-6947-405F-A94A-52FF85729738}" type="datetimeFigureOut">
               <a:rPr kumimoji="1" lang="ja-JP" altLang="en-US" smtClean="0"/>
-              <a:t>2016/10/7</a:t>
+              <a:t>2016/10/12</a:t>
             </a:fld>
             <a:endParaRPr kumimoji="1" lang="ja-JP" altLang="en-US"/>
           </a:p>
@@ -1342,7 +1342,7 @@
           <a:p>
             <a:fld id="{CD18CB5A-6947-405F-A94A-52FF85729738}" type="datetimeFigureOut">
               <a:rPr kumimoji="1" lang="ja-JP" altLang="en-US" smtClean="0"/>
-              <a:t>2016/10/7</a:t>
+              <a:t>2016/10/12</a:t>
             </a:fld>
             <a:endParaRPr kumimoji="1" lang="ja-JP" altLang="en-US"/>
           </a:p>
@@ -1588,7 +1588,7 @@
           <a:p>
             <a:fld id="{CD18CB5A-6947-405F-A94A-52FF85729738}" type="datetimeFigureOut">
               <a:rPr kumimoji="1" lang="ja-JP" altLang="en-US" smtClean="0"/>
-              <a:t>2016/10/7</a:t>
+              <a:t>2016/10/12</a:t>
             </a:fld>
             <a:endParaRPr kumimoji="1" lang="ja-JP" altLang="en-US"/>
           </a:p>
@@ -1884,7 +1884,7 @@
           <a:p>
             <a:fld id="{CD18CB5A-6947-405F-A94A-52FF85729738}" type="datetimeFigureOut">
               <a:rPr kumimoji="1" lang="ja-JP" altLang="en-US" smtClean="0"/>
-              <a:t>2016/10/7</a:t>
+              <a:t>2016/10/12</a:t>
             </a:fld>
             <a:endParaRPr kumimoji="1" lang="ja-JP" altLang="en-US"/>
           </a:p>
@@ -2315,7 +2315,7 @@
           <a:p>
             <a:fld id="{CD18CB5A-6947-405F-A94A-52FF85729738}" type="datetimeFigureOut">
               <a:rPr kumimoji="1" lang="ja-JP" altLang="en-US" smtClean="0"/>
-              <a:t>2016/10/7</a:t>
+              <a:t>2016/10/12</a:t>
             </a:fld>
             <a:endParaRPr kumimoji="1" lang="ja-JP" altLang="en-US"/>
           </a:p>
@@ -2433,7 +2433,7 @@
           <a:p>
             <a:fld id="{CD18CB5A-6947-405F-A94A-52FF85729738}" type="datetimeFigureOut">
               <a:rPr kumimoji="1" lang="ja-JP" altLang="en-US" smtClean="0"/>
-              <a:t>2016/10/7</a:t>
+              <a:t>2016/10/12</a:t>
             </a:fld>
             <a:endParaRPr kumimoji="1" lang="ja-JP" altLang="en-US"/>
           </a:p>
@@ -2528,7 +2528,7 @@
           <a:p>
             <a:fld id="{CD18CB5A-6947-405F-A94A-52FF85729738}" type="datetimeFigureOut">
               <a:rPr kumimoji="1" lang="ja-JP" altLang="en-US" smtClean="0"/>
-              <a:t>2016/10/7</a:t>
+              <a:t>2016/10/12</a:t>
             </a:fld>
             <a:endParaRPr kumimoji="1" lang="ja-JP" altLang="en-US"/>
           </a:p>
@@ -2837,7 +2837,7 @@
           <a:p>
             <a:fld id="{CD18CB5A-6947-405F-A94A-52FF85729738}" type="datetimeFigureOut">
               <a:rPr kumimoji="1" lang="ja-JP" altLang="en-US" smtClean="0"/>
-              <a:t>2016/10/7</a:t>
+              <a:t>2016/10/12</a:t>
             </a:fld>
             <a:endParaRPr kumimoji="1" lang="ja-JP" altLang="en-US"/>
           </a:p>
@@ -3090,7 +3090,7 @@
           <a:p>
             <a:fld id="{CD18CB5A-6947-405F-A94A-52FF85729738}" type="datetimeFigureOut">
               <a:rPr kumimoji="1" lang="ja-JP" altLang="en-US" smtClean="0"/>
-              <a:t>2016/10/7</a:t>
+              <a:t>2016/10/12</a:t>
             </a:fld>
             <a:endParaRPr kumimoji="1" lang="ja-JP" altLang="en-US"/>
           </a:p>
@@ -3335,7 +3335,7 @@
           <a:p>
             <a:fld id="{CD18CB5A-6947-405F-A94A-52FF85729738}" type="datetimeFigureOut">
               <a:rPr kumimoji="1" lang="ja-JP" altLang="en-US" smtClean="0"/>
-              <a:t>2016/10/7</a:t>
+              <a:t>2016/10/12</a:t>
             </a:fld>
             <a:endParaRPr kumimoji="1" lang="ja-JP" altLang="en-US"/>
           </a:p>
@@ -3748,8 +3748,8 @@
         </p:nvSpPr>
         <p:spPr>
           <a:xfrm>
-            <a:off x="180232" y="2929585"/>
-            <a:ext cx="20906812" cy="6976647"/>
+            <a:off x="180232" y="2926104"/>
+            <a:ext cx="20906812" cy="6895979"/>
           </a:xfrm>
           <a:prstGeom prst="rect">
             <a:avLst/>
@@ -3788,23 +3788,156 @@
       </p:sp>
       <p:sp>
         <p:nvSpPr>
-          <p:cNvPr id="11" name="上矢印 10"/>
+          <p:cNvPr id="3" name="テキスト ボックス 2"/>
+          <p:cNvSpPr txBox="1"/>
+          <p:nvPr/>
+        </p:nvSpPr>
+        <p:spPr>
+          <a:xfrm>
+            <a:off x="0" y="493696"/>
+            <a:ext cx="21386800" cy="1036779"/>
+          </a:xfrm>
+          <a:prstGeom prst="rect">
+            <a:avLst/>
+          </a:prstGeom>
+          <a:noFill/>
+        </p:spPr>
+        <p:txBody>
+          <a:bodyPr wrap="square" lIns="295232" tIns="147616" rIns="295232" bIns="147616" rtlCol="0">
+            <a:spAutoFit/>
+          </a:bodyPr>
+          <a:lstStyle/>
+          <a:p>
+            <a:pPr algn="ctr"/>
+            <a:r>
+              <a:rPr lang="en-US" altLang="ja-JP" sz="4800" b="1" dirty="0">
+                <a:effectLst>
+                  <a:glow rad="101600">
+                    <a:srgbClr val="FFE880">
+                      <a:tint val="20000"/>
+                      <a:alpha val="60000"/>
+                    </a:srgbClr>
+                  </a:glow>
+                </a:effectLst>
+              </a:rPr>
+              <a:t>Wikipedia</a:t>
+            </a:r>
+            <a:r>
+              <a:rPr lang="ja-JP" altLang="en-US" sz="4800" b="1" dirty="0">
+                <a:effectLst>
+                  <a:glow rad="101600">
+                    <a:srgbClr val="FFE880">
+                      <a:tint val="20000"/>
+                      <a:alpha val="60000"/>
+                    </a:srgbClr>
+                  </a:glow>
+                </a:effectLst>
+              </a:rPr>
+              <a:t>におけるプロジェクトマネジメント状況の</a:t>
+            </a:r>
+            <a:r>
+              <a:rPr lang="ja-JP" altLang="en-US" sz="4800" b="1" dirty="0" smtClean="0">
+                <a:effectLst>
+                  <a:glow rad="101600">
+                    <a:srgbClr val="FFE880">
+                      <a:tint val="20000"/>
+                      <a:alpha val="60000"/>
+                    </a:srgbClr>
+                  </a:glow>
+                </a:effectLst>
+              </a:rPr>
+              <a:t>分析</a:t>
+            </a:r>
+            <a:endParaRPr lang="ja-JP" altLang="en-US" sz="4800" b="1" dirty="0">
+              <a:effectLst>
+                <a:glow rad="101600">
+                  <a:srgbClr val="FFE880">
+                    <a:tint val="20000"/>
+                    <a:alpha val="60000"/>
+                  </a:srgbClr>
+                </a:glow>
+              </a:effectLst>
+            </a:endParaRPr>
+          </a:p>
+        </p:txBody>
+      </p:sp>
+      <p:sp>
+        <p:nvSpPr>
+          <p:cNvPr id="13" name="テキスト ボックス 12"/>
+          <p:cNvSpPr txBox="1"/>
+          <p:nvPr/>
+        </p:nvSpPr>
+        <p:spPr>
+          <a:xfrm>
+            <a:off x="0" y="1779387"/>
+            <a:ext cx="21386800" cy="975224"/>
+          </a:xfrm>
+          <a:prstGeom prst="rect">
+            <a:avLst/>
+          </a:prstGeom>
+          <a:noFill/>
+        </p:spPr>
+        <p:txBody>
+          <a:bodyPr wrap="square" lIns="295232" tIns="147616" rIns="295232" bIns="147616" rtlCol="0">
+            <a:spAutoFit/>
+          </a:bodyPr>
+          <a:lstStyle/>
+          <a:p>
+            <a:pPr algn="ctr"/>
+            <a:r>
+              <a:rPr lang="en-US" altLang="ja-JP" sz="4400" b="1" dirty="0" smtClean="0">
+                <a:latin typeface="+mn-ea"/>
+              </a:rPr>
+              <a:t>PM</a:t>
+            </a:r>
+            <a:r>
+              <a:rPr lang="ja-JP" altLang="en-US" sz="4400" b="1" dirty="0" smtClean="0">
+                <a:latin typeface="+mn-ea"/>
+              </a:rPr>
+              <a:t>コース</a:t>
+            </a:r>
+            <a:r>
+              <a:rPr lang="ja-JP" altLang="en-US" sz="4400" b="1" dirty="0">
+                <a:latin typeface="+mn-ea"/>
+              </a:rPr>
+              <a:t>　矢吹研究室　</a:t>
+            </a:r>
+            <a:r>
+              <a:rPr lang="en-US" altLang="ja-JP" sz="4400" b="1" dirty="0" smtClean="0">
+                <a:latin typeface="+mn-ea"/>
+              </a:rPr>
+              <a:t>1342100</a:t>
+            </a:r>
+            <a:r>
+              <a:rPr lang="ja-JP" altLang="en-US" sz="4400" b="1" dirty="0">
+                <a:latin typeface="+mn-ea"/>
+              </a:rPr>
+              <a:t>　春川直幸</a:t>
+            </a:r>
+          </a:p>
+        </p:txBody>
+      </p:sp>
+      <p:sp>
+        <p:nvSpPr>
+          <p:cNvPr id="44" name="正方形/長方形 43"/>
           <p:cNvSpPr/>
           <p:nvPr/>
         </p:nvSpPr>
         <p:spPr>
-          <a:xfrm rot="5400000">
-            <a:off x="9023786" y="7329801"/>
-            <a:ext cx="1167914" cy="1979412"/>
-          </a:xfrm>
-          <a:prstGeom prst="upArrow">
+          <a:xfrm>
+            <a:off x="9845651" y="15453009"/>
+            <a:ext cx="10933922" cy="1389221"/>
+          </a:xfrm>
+          <a:prstGeom prst="rect">
             <a:avLst/>
           </a:prstGeom>
           <a:solidFill>
-            <a:srgbClr val="00B0F0"/>
+            <a:schemeClr val="bg1"/>
           </a:solidFill>
           <a:ln>
-            <a:noFill/>
+            <a:solidFill>
+              <a:schemeClr val="accent1"/>
+            </a:solidFill>
           </a:ln>
         </p:spPr>
         <p:style>
@@ -3824,157 +3957,66 @@
           </a:fontRef>
         </p:style>
         <p:txBody>
-          <a:bodyPr lIns="295232" tIns="147616" rIns="295232" bIns="147616" rtlCol="0" anchor="ctr"/>
-          <a:lstStyle/>
-          <a:p>
-            <a:pPr algn="ctr"/>
-            <a:endParaRPr kumimoji="1" lang="ja-JP" altLang="en-US"/>
-          </a:p>
-        </p:txBody>
-      </p:sp>
-      <p:sp>
-        <p:nvSpPr>
-          <p:cNvPr id="3" name="テキスト ボックス 2"/>
-          <p:cNvSpPr txBox="1"/>
-          <p:nvPr/>
-        </p:nvSpPr>
-        <p:spPr>
-          <a:xfrm>
-            <a:off x="0" y="493696"/>
-            <a:ext cx="21386800" cy="1036779"/>
-          </a:xfrm>
-          <a:prstGeom prst="rect">
-            <a:avLst/>
-          </a:prstGeom>
-          <a:noFill/>
-        </p:spPr>
-        <p:txBody>
-          <a:bodyPr wrap="square" lIns="295232" tIns="147616" rIns="295232" bIns="147616" rtlCol="0">
-            <a:spAutoFit/>
-          </a:bodyPr>
-          <a:lstStyle/>
-          <a:p>
-            <a:pPr algn="ctr"/>
-            <a:r>
-              <a:rPr lang="en-US" altLang="ja-JP" sz="4800" b="1" dirty="0">
-                <a:effectLst>
-                  <a:glow rad="101600">
-                    <a:srgbClr val="FFE880">
-                      <a:tint val="20000"/>
-                      <a:alpha val="60000"/>
-                    </a:srgbClr>
-                  </a:glow>
-                </a:effectLst>
-              </a:rPr>
-              <a:t>Wikipedia</a:t>
-            </a:r>
-            <a:r>
-              <a:rPr lang="ja-JP" altLang="en-US" sz="4800" b="1" dirty="0">
-                <a:effectLst>
-                  <a:glow rad="101600">
-                    <a:srgbClr val="FFE880">
-                      <a:tint val="20000"/>
-                      <a:alpha val="60000"/>
-                    </a:srgbClr>
-                  </a:glow>
-                </a:effectLst>
-              </a:rPr>
-              <a:t>におけるプロジェクトマネジメント状況の</a:t>
-            </a:r>
-            <a:r>
-              <a:rPr lang="ja-JP" altLang="en-US" sz="4800" b="1" dirty="0" smtClean="0">
-                <a:effectLst>
-                  <a:glow rad="101600">
-                    <a:srgbClr val="FFE880">
-                      <a:tint val="20000"/>
-                      <a:alpha val="60000"/>
-                    </a:srgbClr>
-                  </a:glow>
-                </a:effectLst>
-              </a:rPr>
-              <a:t>分析</a:t>
-            </a:r>
-            <a:endParaRPr lang="ja-JP" altLang="en-US" sz="4800" b="1" dirty="0">
-              <a:effectLst>
-                <a:glow rad="101600">
-                  <a:srgbClr val="FFE880">
-                    <a:tint val="20000"/>
-                    <a:alpha val="60000"/>
-                  </a:srgbClr>
-                </a:glow>
-              </a:effectLst>
-            </a:endParaRPr>
-          </a:p>
-        </p:txBody>
-      </p:sp>
-      <p:sp>
-        <p:nvSpPr>
-          <p:cNvPr id="13" name="テキスト ボックス 12"/>
-          <p:cNvSpPr txBox="1"/>
-          <p:nvPr/>
-        </p:nvSpPr>
-        <p:spPr>
-          <a:xfrm>
-            <a:off x="0" y="1779387"/>
-            <a:ext cx="21386800" cy="975224"/>
-          </a:xfrm>
-          <a:prstGeom prst="rect">
-            <a:avLst/>
-          </a:prstGeom>
-          <a:noFill/>
-        </p:spPr>
-        <p:txBody>
-          <a:bodyPr wrap="square" lIns="295232" tIns="147616" rIns="295232" bIns="147616" rtlCol="0">
-            <a:spAutoFit/>
-          </a:bodyPr>
-          <a:lstStyle/>
-          <a:p>
-            <a:pPr algn="ctr"/>
-            <a:r>
-              <a:rPr lang="en-US" altLang="ja-JP" sz="4400" b="1" dirty="0" smtClean="0">
+          <a:bodyPr lIns="295232" tIns="147616" rIns="295232" bIns="147616" rtlCol="0" anchor="t"/>
+          <a:lstStyle/>
+          <a:p>
+            <a:r>
+              <a:rPr lang="ja-JP" altLang="en-US" sz="3600" dirty="0" smtClean="0">
+                <a:solidFill>
+                  <a:schemeClr val="tx1"/>
+                </a:solidFill>
                 <a:latin typeface="+mn-ea"/>
               </a:rPr>
-              <a:t>PM</a:t>
-            </a:r>
-            <a:r>
-              <a:rPr lang="ja-JP" altLang="en-US" sz="4400" b="1" dirty="0" smtClean="0">
+              <a:t>編集</a:t>
+            </a:r>
+            <a:r>
+              <a:rPr lang="ja-JP" altLang="en-US" sz="3600" dirty="0">
+                <a:solidFill>
+                  <a:schemeClr val="tx1"/>
+                </a:solidFill>
                 <a:latin typeface="+mn-ea"/>
               </a:rPr>
-              <a:t>コース</a:t>
-            </a:r>
-            <a:r>
-              <a:rPr lang="ja-JP" altLang="en-US" sz="4400" b="1" dirty="0">
+              <a:t>履歴を取得し分析するため，統計解析ソフト「</a:t>
+            </a:r>
+            <a:r>
+              <a:rPr lang="en-US" altLang="ja-JP" sz="3600" dirty="0">
+                <a:solidFill>
+                  <a:schemeClr val="tx1"/>
+                </a:solidFill>
                 <a:latin typeface="+mn-ea"/>
               </a:rPr>
-              <a:t>　矢吹研究室　</a:t>
-            </a:r>
-            <a:r>
-              <a:rPr lang="en-US" altLang="ja-JP" sz="4400" b="1" dirty="0" smtClean="0">
+              <a:t>R</a:t>
+            </a:r>
+            <a:r>
+              <a:rPr lang="ja-JP" altLang="en-US" sz="3600" dirty="0">
+                <a:solidFill>
+                  <a:schemeClr val="tx1"/>
+                </a:solidFill>
                 <a:latin typeface="+mn-ea"/>
               </a:rPr>
-              <a:t>1342100</a:t>
-            </a:r>
-            <a:r>
-              <a:rPr lang="ja-JP" altLang="en-US" sz="4400" b="1" dirty="0">
-                <a:latin typeface="+mn-ea"/>
-              </a:rPr>
-              <a:t>　春川直幸</a:t>
-            </a:r>
-          </a:p>
-        </p:txBody>
-      </p:sp>
-      <p:sp>
-        <p:nvSpPr>
-          <p:cNvPr id="12" name="角丸四角形 11"/>
+              <a:t>」を使用しヒストグラムを作成した．</a:t>
+            </a:r>
+            <a:endParaRPr lang="en-US" altLang="ja-JP" sz="3600" dirty="0" smtClean="0">
+              <a:solidFill>
+                <a:schemeClr val="tx1"/>
+              </a:solidFill>
+              <a:latin typeface="+mn-ea"/>
+            </a:endParaRPr>
+          </a:p>
+        </p:txBody>
+      </p:sp>
+      <p:sp>
+        <p:nvSpPr>
+          <p:cNvPr id="46" name="正方形/長方形 45"/>
           <p:cNvSpPr/>
           <p:nvPr/>
         </p:nvSpPr>
         <p:spPr>
           <a:xfrm>
-            <a:off x="11959667" y="7099629"/>
-            <a:ext cx="7506057" cy="2282208"/>
-          </a:xfrm>
-          <a:prstGeom prst="roundRect">
+            <a:off x="510735" y="28173435"/>
+            <a:ext cx="20166510" cy="1503782"/>
+          </a:xfrm>
+          <a:prstGeom prst="rect">
             <a:avLst/>
           </a:prstGeom>
           <a:solidFill>
@@ -4003,11 +4045,38 @@
           </a:fontRef>
         </p:style>
         <p:txBody>
-          <a:bodyPr lIns="295232" tIns="147616" rIns="295232" bIns="147616" rtlCol="0" anchor="ctr"/>
-          <a:lstStyle/>
-          <a:p>
-            <a:r>
-              <a:rPr lang="en-US" altLang="ja-JP" sz="3600" dirty="0" smtClean="0">
+          <a:bodyPr lIns="295232" tIns="147616" rIns="295232" bIns="147616" rtlCol="0" anchor="t"/>
+          <a:lstStyle/>
+          <a:p>
+            <a:r>
+              <a:rPr lang="ja-JP" altLang="en-US" sz="3600" dirty="0">
+                <a:solidFill>
+                  <a:schemeClr val="tx1"/>
+                </a:solidFill>
+                <a:latin typeface="+mn-ea"/>
+              </a:rPr>
+              <a:t>分析の精度を</a:t>
+            </a:r>
+            <a:r>
+              <a:rPr lang="ja-JP" altLang="en-US" sz="3600" dirty="0" smtClean="0">
+                <a:solidFill>
+                  <a:schemeClr val="tx1"/>
+                </a:solidFill>
+                <a:latin typeface="+mn-ea"/>
+              </a:rPr>
+              <a:t>上げるため</a:t>
+            </a:r>
+            <a:r>
+              <a:rPr lang="ja-JP" altLang="en-US" sz="3600" dirty="0">
+                <a:solidFill>
+                  <a:schemeClr val="tx1"/>
+                </a:solidFill>
+                <a:latin typeface="+mn-ea"/>
+              </a:rPr>
+              <a:t>，引き続き</a:t>
+            </a:r>
+            <a:r>
+              <a:rPr lang="en-US" altLang="ja-JP" sz="3600" dirty="0">
                 <a:solidFill>
                   <a:schemeClr val="tx1"/>
                 </a:solidFill>
@@ -4016,52 +4085,84 @@
               <a:t>Wikipedia</a:t>
             </a:r>
             <a:r>
+              <a:rPr lang="ja-JP" altLang="en-US" sz="3600" dirty="0">
+                <a:solidFill>
+                  <a:schemeClr val="tx1"/>
+                </a:solidFill>
+                <a:latin typeface="+mn-ea"/>
+              </a:rPr>
+              <a:t>の編集履歴データを取得する</a:t>
+            </a:r>
+            <a:r>
               <a:rPr lang="ja-JP" altLang="en-US" sz="3600" dirty="0" smtClean="0">
                 <a:solidFill>
                   <a:schemeClr val="tx1"/>
                 </a:solidFill>
                 <a:latin typeface="+mn-ea"/>
               </a:rPr>
-              <a:t>ではどのようなプロジェクトマネジメントの特性があるか調査する</a:t>
-            </a:r>
-            <a:r>
-              <a:rPr kumimoji="1" lang="ja-JP" altLang="en-US" sz="3600" dirty="0" smtClean="0">
+              <a:t>．</a:t>
+            </a:r>
+            <a:endParaRPr lang="en-US" altLang="ja-JP" sz="3600" dirty="0" smtClean="0">
+              <a:solidFill>
+                <a:schemeClr val="tx1"/>
+              </a:solidFill>
+              <a:latin typeface="+mn-ea"/>
+            </a:endParaRPr>
+          </a:p>
+          <a:p>
+            <a:r>
+              <a:rPr lang="ja-JP" altLang="en-US" sz="3600" dirty="0" smtClean="0">
                 <a:solidFill>
                   <a:schemeClr val="tx1"/>
                 </a:solidFill>
                 <a:latin typeface="+mn-ea"/>
               </a:rPr>
-              <a:t>．</a:t>
-            </a:r>
-            <a:endParaRPr kumimoji="1" lang="ja-JP" altLang="en-US" sz="3600" dirty="0">
+              <a:t>また</a:t>
+            </a:r>
+            <a:r>
+              <a:rPr lang="ja-JP" altLang="en-US" sz="3600" dirty="0" smtClean="0">
+                <a:solidFill>
+                  <a:schemeClr val="tx1"/>
+                </a:solidFill>
+                <a:latin typeface="+mn-ea"/>
+              </a:rPr>
+              <a:t>，別の分析方法も行うようにする．</a:t>
+            </a:r>
+            <a:endParaRPr lang="en-US" altLang="ja-JP" sz="3600" dirty="0" smtClean="0">
               <a:solidFill>
                 <a:schemeClr val="tx1"/>
               </a:solidFill>
               <a:latin typeface="+mn-ea"/>
             </a:endParaRPr>
           </a:p>
-        </p:txBody>
-      </p:sp>
-      <p:sp>
-        <p:nvSpPr>
-          <p:cNvPr id="22" name="角丸四角形 21"/>
+          <a:p>
+            <a:endParaRPr lang="en-US" altLang="ja-JP" sz="3600" dirty="0" smtClean="0">
+              <a:solidFill>
+                <a:schemeClr val="tx1"/>
+              </a:solidFill>
+              <a:latin typeface="+mn-ea"/>
+            </a:endParaRPr>
+          </a:p>
+        </p:txBody>
+      </p:sp>
+      <p:sp>
+        <p:nvSpPr>
+          <p:cNvPr id="4" name="正方形/長方形 3"/>
           <p:cNvSpPr/>
           <p:nvPr/>
         </p:nvSpPr>
         <p:spPr>
           <a:xfrm>
-            <a:off x="528264" y="7145417"/>
-            <a:ext cx="7252224" cy="1995660"/>
-          </a:xfrm>
-          <a:prstGeom prst="roundRect">
+            <a:off x="180232" y="11138508"/>
+            <a:ext cx="20906812" cy="2921359"/>
+          </a:xfrm>
+          <a:prstGeom prst="rect">
             <a:avLst/>
           </a:prstGeom>
-          <a:solidFill>
-            <a:schemeClr val="bg1"/>
-          </a:solidFill>
-          <a:ln>
+          <a:noFill/>
+          <a:ln w="38100">
             <a:solidFill>
-              <a:schemeClr val="accent1"/>
+              <a:schemeClr val="tx1"/>
             </a:solidFill>
           </a:ln>
         </p:spPr>
@@ -4082,56 +4183,32 @@
           </a:fontRef>
         </p:style>
         <p:txBody>
-          <a:bodyPr lIns="295232" tIns="147616" rIns="295232" bIns="147616" rtlCol="0" anchor="ctr"/>
-          <a:lstStyle/>
-          <a:p>
-            <a:r>
-              <a:rPr lang="ja-JP" altLang="en-US" sz="3600" dirty="0" smtClean="0">
-                <a:solidFill>
-                  <a:schemeClr val="tx1"/>
-                </a:solidFill>
-                <a:latin typeface="+mn-ea"/>
-              </a:rPr>
-              <a:t>記事を作成する過程でプロジェクトマネジメントが行われている</a:t>
-            </a:r>
-            <a:r>
-              <a:rPr lang="ja-JP" altLang="en-US" sz="3600" smtClean="0">
-                <a:solidFill>
-                  <a:schemeClr val="tx1"/>
-                </a:solidFill>
-                <a:latin typeface="+mn-ea"/>
-              </a:rPr>
-              <a:t>と考える．</a:t>
-            </a:r>
-            <a:endParaRPr lang="ja-JP" altLang="en-US" sz="3600" dirty="0">
-              <a:solidFill>
-                <a:schemeClr val="tx1"/>
-              </a:solidFill>
-              <a:latin typeface="+mn-ea"/>
-            </a:endParaRPr>
-          </a:p>
-        </p:txBody>
-      </p:sp>
-      <p:sp>
-        <p:nvSpPr>
-          <p:cNvPr id="28" name="正方形/長方形 27"/>
+          <a:bodyPr rtlCol="0" anchor="ctr"/>
+          <a:lstStyle/>
+          <a:p>
+            <a:pPr algn="ctr"/>
+            <a:endParaRPr kumimoji="1" lang="ja-JP" altLang="en-US"/>
+          </a:p>
+        </p:txBody>
+      </p:sp>
+      <p:sp>
+        <p:nvSpPr>
+          <p:cNvPr id="47" name="正方形/長方形 46"/>
           <p:cNvSpPr/>
           <p:nvPr/>
         </p:nvSpPr>
         <p:spPr>
           <a:xfrm>
-            <a:off x="493247" y="11539587"/>
-            <a:ext cx="19273162" cy="1382255"/>
+            <a:off x="9510000" y="15150197"/>
+            <a:ext cx="11605225" cy="11413705"/>
           </a:xfrm>
           <a:prstGeom prst="rect">
             <a:avLst/>
           </a:prstGeom>
-          <a:solidFill>
-            <a:schemeClr val="bg1"/>
-          </a:solidFill>
-          <a:ln>
+          <a:noFill/>
+          <a:ln w="38100">
             <a:solidFill>
-              <a:schemeClr val="accent1"/>
+              <a:schemeClr val="tx1"/>
             </a:solidFill>
           </a:ln>
         </p:spPr>
@@ -4152,92 +4229,32 @@
           </a:fontRef>
         </p:style>
         <p:txBody>
-          <a:bodyPr lIns="295232" tIns="147616" rIns="295232" bIns="147616" rtlCol="0" anchor="t"/>
-          <a:lstStyle/>
-          <a:p>
-            <a:r>
-              <a:rPr lang="en-US" altLang="ja-JP" sz="3600" dirty="0">
-                <a:solidFill>
-                  <a:schemeClr val="tx1"/>
-                </a:solidFill>
-                <a:latin typeface="+mn-ea"/>
-              </a:rPr>
-              <a:t>Wikipedia</a:t>
-            </a:r>
-            <a:r>
-              <a:rPr lang="ja-JP" altLang="en-US" sz="3600" dirty="0">
-                <a:solidFill>
-                  <a:schemeClr val="tx1"/>
-                </a:solidFill>
-                <a:latin typeface="+mn-ea"/>
-              </a:rPr>
-              <a:t>から編集履歴データ</a:t>
-            </a:r>
-            <a:r>
-              <a:rPr lang="ja-JP" altLang="en-US" sz="3600" dirty="0" smtClean="0">
-                <a:solidFill>
-                  <a:schemeClr val="tx1"/>
-                </a:solidFill>
-                <a:latin typeface="+mn-ea"/>
-              </a:rPr>
-              <a:t>をデータマイニング</a:t>
-            </a:r>
-            <a:r>
-              <a:rPr lang="ja-JP" altLang="en-US" sz="3600" dirty="0">
-                <a:solidFill>
-                  <a:schemeClr val="tx1"/>
-                </a:solidFill>
-                <a:latin typeface="+mn-ea"/>
-              </a:rPr>
-              <a:t>をすることにより，</a:t>
-            </a:r>
-            <a:r>
-              <a:rPr lang="en-US" altLang="ja-JP" sz="3600" dirty="0">
-                <a:solidFill>
-                  <a:schemeClr val="tx1"/>
-                </a:solidFill>
-                <a:latin typeface="+mn-ea"/>
-              </a:rPr>
-              <a:t>Wikipedia</a:t>
-            </a:r>
-            <a:r>
-              <a:rPr lang="ja-JP" altLang="en-US" sz="3600" dirty="0">
-                <a:solidFill>
-                  <a:schemeClr val="tx1"/>
-                </a:solidFill>
-                <a:latin typeface="+mn-ea"/>
-              </a:rPr>
-              <a:t>におけるプロジェクトマネジメントの状況の調査・分析を目的とする．</a:t>
-            </a:r>
-            <a:endParaRPr lang="en-US" altLang="ja-JP" sz="3600" dirty="0" smtClean="0">
-              <a:solidFill>
-                <a:schemeClr val="tx1"/>
-              </a:solidFill>
-              <a:latin typeface="+mn-ea"/>
-            </a:endParaRPr>
-          </a:p>
-        </p:txBody>
-      </p:sp>
-      <p:sp>
-        <p:nvSpPr>
-          <p:cNvPr id="44" name="正方形/長方形 43"/>
+          <a:bodyPr rtlCol="0" anchor="ctr"/>
+          <a:lstStyle/>
+          <a:p>
+            <a:pPr algn="ctr"/>
+            <a:endParaRPr kumimoji="1" lang="ja-JP" altLang="en-US"/>
+          </a:p>
+        </p:txBody>
+      </p:sp>
+      <p:sp>
+        <p:nvSpPr>
+          <p:cNvPr id="48" name="正方形/長方形 47"/>
           <p:cNvSpPr/>
           <p:nvPr/>
         </p:nvSpPr>
         <p:spPr>
           <a:xfrm>
-            <a:off x="9845651" y="15453009"/>
-            <a:ext cx="10933922" cy="1389221"/>
+            <a:off x="180232" y="26805283"/>
+            <a:ext cx="20881529" cy="3240359"/>
           </a:xfrm>
           <a:prstGeom prst="rect">
             <a:avLst/>
           </a:prstGeom>
-          <a:solidFill>
-            <a:schemeClr val="bg1"/>
-          </a:solidFill>
-          <a:ln>
+          <a:noFill/>
+          <a:ln w="38100">
             <a:solidFill>
-              <a:schemeClr val="accent1"/>
+              <a:schemeClr val="tx1"/>
             </a:solidFill>
           </a:ln>
         </p:spPr>
@@ -4258,74 +4275,32 @@
           </a:fontRef>
         </p:style>
         <p:txBody>
-          <a:bodyPr lIns="295232" tIns="147616" rIns="295232" bIns="147616" rtlCol="0" anchor="t"/>
-          <a:lstStyle/>
-          <a:p>
-            <a:r>
-              <a:rPr lang="ja-JP" altLang="en-US" sz="3600" dirty="0" smtClean="0">
-                <a:solidFill>
-                  <a:schemeClr val="tx1"/>
-                </a:solidFill>
-                <a:latin typeface="+mn-ea"/>
-              </a:rPr>
-              <a:t>編集</a:t>
-            </a:r>
-            <a:r>
-              <a:rPr lang="ja-JP" altLang="en-US" sz="3600" dirty="0">
-                <a:solidFill>
-                  <a:schemeClr val="tx1"/>
-                </a:solidFill>
-                <a:latin typeface="+mn-ea"/>
-              </a:rPr>
-              <a:t>履歴を取得し分析するため，統計解析ソフト「</a:t>
-            </a:r>
-            <a:r>
-              <a:rPr lang="en-US" altLang="ja-JP" sz="3600" dirty="0">
-                <a:solidFill>
-                  <a:schemeClr val="tx1"/>
-                </a:solidFill>
-                <a:latin typeface="+mn-ea"/>
-              </a:rPr>
-              <a:t>R</a:t>
-            </a:r>
-            <a:r>
-              <a:rPr lang="ja-JP" altLang="en-US" sz="3600" dirty="0">
-                <a:solidFill>
-                  <a:schemeClr val="tx1"/>
-                </a:solidFill>
-                <a:latin typeface="+mn-ea"/>
-              </a:rPr>
-              <a:t>」を使用しヒストグラムを作成した．</a:t>
-            </a:r>
-            <a:endParaRPr lang="en-US" altLang="ja-JP" sz="3600" dirty="0" smtClean="0">
-              <a:solidFill>
-                <a:schemeClr val="tx1"/>
-              </a:solidFill>
-              <a:latin typeface="+mn-ea"/>
-            </a:endParaRPr>
-          </a:p>
-        </p:txBody>
-      </p:sp>
-      <p:sp>
-        <p:nvSpPr>
-          <p:cNvPr id="46" name="正方形/長方形 45"/>
+          <a:bodyPr rtlCol="0" anchor="ctr"/>
+          <a:lstStyle/>
+          <a:p>
+            <a:pPr algn="ctr"/>
+            <a:endParaRPr kumimoji="1" lang="ja-JP" altLang="en-US"/>
+          </a:p>
+        </p:txBody>
+      </p:sp>
+      <p:sp>
+        <p:nvSpPr>
+          <p:cNvPr id="49" name="正方形/長方形 48"/>
           <p:cNvSpPr/>
           <p:nvPr/>
         </p:nvSpPr>
         <p:spPr>
           <a:xfrm>
-            <a:off x="510735" y="28173435"/>
-            <a:ext cx="20166510" cy="1503782"/>
+            <a:off x="180233" y="15181926"/>
+            <a:ext cx="8712968" cy="11381976"/>
           </a:xfrm>
           <a:prstGeom prst="rect">
             <a:avLst/>
           </a:prstGeom>
-          <a:solidFill>
-            <a:schemeClr val="bg1"/>
-          </a:solidFill>
-          <a:ln>
+          <a:noFill/>
+          <a:ln w="38100">
             <a:solidFill>
-              <a:schemeClr val="accent1"/>
+              <a:schemeClr val="tx1"/>
             </a:solidFill>
           </a:ln>
         </p:spPr>
@@ -4346,137 +4321,28 @@
           </a:fontRef>
         </p:style>
         <p:txBody>
-          <a:bodyPr lIns="295232" tIns="147616" rIns="295232" bIns="147616" rtlCol="0" anchor="t"/>
-          <a:lstStyle/>
-          <a:p>
-            <a:r>
-              <a:rPr lang="ja-JP" altLang="en-US" sz="3600" dirty="0">
-                <a:solidFill>
-                  <a:schemeClr val="tx1"/>
-                </a:solidFill>
-                <a:latin typeface="+mn-ea"/>
-              </a:rPr>
-              <a:t>分析の精度を</a:t>
-            </a:r>
-            <a:r>
-              <a:rPr lang="ja-JP" altLang="en-US" sz="3600" dirty="0" smtClean="0">
-                <a:solidFill>
-                  <a:schemeClr val="tx1"/>
-                </a:solidFill>
-                <a:latin typeface="+mn-ea"/>
-              </a:rPr>
-              <a:t>上げるため</a:t>
-            </a:r>
-            <a:r>
-              <a:rPr lang="ja-JP" altLang="en-US" sz="3600" dirty="0">
-                <a:solidFill>
-                  <a:schemeClr val="tx1"/>
-                </a:solidFill>
-                <a:latin typeface="+mn-ea"/>
-              </a:rPr>
-              <a:t>，引き続き</a:t>
-            </a:r>
-            <a:r>
-              <a:rPr lang="en-US" altLang="ja-JP" sz="3600" dirty="0">
-                <a:solidFill>
-                  <a:schemeClr val="tx1"/>
-                </a:solidFill>
-                <a:latin typeface="+mn-ea"/>
-              </a:rPr>
-              <a:t>Wikipedia</a:t>
-            </a:r>
-            <a:r>
-              <a:rPr lang="ja-JP" altLang="en-US" sz="3600" dirty="0">
-                <a:solidFill>
-                  <a:schemeClr val="tx1"/>
-                </a:solidFill>
-                <a:latin typeface="+mn-ea"/>
-              </a:rPr>
-              <a:t>の編集履歴データを取得する</a:t>
-            </a:r>
-            <a:r>
-              <a:rPr lang="ja-JP" altLang="en-US" sz="3600" dirty="0" smtClean="0">
-                <a:solidFill>
-                  <a:schemeClr val="tx1"/>
-                </a:solidFill>
-                <a:latin typeface="+mn-ea"/>
-              </a:rPr>
-              <a:t>．</a:t>
-            </a:r>
-            <a:endParaRPr lang="en-US" altLang="ja-JP" sz="3600" dirty="0" smtClean="0">
-              <a:solidFill>
-                <a:schemeClr val="tx1"/>
-              </a:solidFill>
-              <a:latin typeface="+mn-ea"/>
-            </a:endParaRPr>
-          </a:p>
-          <a:p>
-            <a:r>
-              <a:rPr lang="ja-JP" altLang="en-US" sz="3600" dirty="0" smtClean="0">
-                <a:solidFill>
-                  <a:schemeClr val="tx1"/>
-                </a:solidFill>
-                <a:latin typeface="+mn-ea"/>
-              </a:rPr>
-              <a:t>また，他</a:t>
-            </a:r>
-            <a:r>
-              <a:rPr lang="ja-JP" altLang="en-US" sz="3600" dirty="0">
-                <a:solidFill>
-                  <a:schemeClr val="tx1"/>
-                </a:solidFill>
-                <a:latin typeface="+mn-ea"/>
-              </a:rPr>
-              <a:t>の分析</a:t>
-            </a:r>
-            <a:r>
-              <a:rPr lang="ja-JP" altLang="en-US" sz="3600" dirty="0" smtClean="0">
-                <a:solidFill>
-                  <a:schemeClr val="tx1"/>
-                </a:solidFill>
-                <a:latin typeface="+mn-ea"/>
-              </a:rPr>
-              <a:t>手法を用いて分析を行う．</a:t>
-            </a:r>
-            <a:endParaRPr lang="en-US" altLang="ja-JP" sz="3600" dirty="0" smtClean="0">
-              <a:solidFill>
-                <a:schemeClr val="tx1"/>
-              </a:solidFill>
-              <a:latin typeface="+mn-ea"/>
-            </a:endParaRPr>
-          </a:p>
-          <a:p>
-            <a:endParaRPr lang="en-US" altLang="ja-JP" sz="3600" dirty="0" smtClean="0">
-              <a:solidFill>
-                <a:schemeClr val="tx1"/>
-              </a:solidFill>
-              <a:latin typeface="+mn-ea"/>
-            </a:endParaRPr>
-          </a:p>
-        </p:txBody>
-      </p:sp>
-      <p:sp>
-        <p:nvSpPr>
-          <p:cNvPr id="25" name="角丸四角形 24"/>
+          <a:bodyPr rtlCol="0" anchor="ctr"/>
+          <a:lstStyle/>
+          <a:p>
+            <a:pPr algn="ctr"/>
+            <a:endParaRPr kumimoji="1" lang="ja-JP" altLang="en-US"/>
+          </a:p>
+        </p:txBody>
+      </p:sp>
+      <p:sp>
+        <p:nvSpPr>
+          <p:cNvPr id="7" name="正方形/長方形 6"/>
           <p:cNvSpPr/>
           <p:nvPr/>
         </p:nvSpPr>
         <p:spPr>
           <a:xfrm>
-            <a:off x="493247" y="4406633"/>
-            <a:ext cx="12710364" cy="2095500"/>
-          </a:xfrm>
-          <a:prstGeom prst="roundRect">
+            <a:off x="180232" y="2939975"/>
+            <a:ext cx="20872389" cy="997423"/>
+          </a:xfrm>
+          <a:prstGeom prst="rect">
             <a:avLst/>
           </a:prstGeom>
-          <a:solidFill>
-            <a:schemeClr val="bg1"/>
-          </a:solidFill>
-          <a:ln>
-            <a:solidFill>
-              <a:schemeClr val="accent1"/>
-            </a:solidFill>
-          </a:ln>
         </p:spPr>
         <p:style>
           <a:lnRef idx="2">
@@ -4495,82 +4361,31 @@
           </a:fontRef>
         </p:style>
         <p:txBody>
-          <a:bodyPr lIns="295232" tIns="147616" rIns="295232" bIns="147616" rtlCol="0" anchor="ctr"/>
-          <a:lstStyle/>
-          <a:p>
-            <a:r>
-              <a:rPr kumimoji="1" lang="en-US" altLang="ja-JP" sz="3600" dirty="0" smtClean="0">
-                <a:solidFill>
-                  <a:schemeClr val="tx1"/>
-                </a:solidFill>
-                <a:latin typeface="+mn-ea"/>
-              </a:rPr>
-              <a:t>Wikipedia</a:t>
-            </a:r>
-            <a:r>
-              <a:rPr kumimoji="1" lang="ja-JP" altLang="en-US" sz="3600" dirty="0" smtClean="0">
-                <a:solidFill>
-                  <a:schemeClr val="tx1"/>
-                </a:solidFill>
-                <a:latin typeface="+mn-ea"/>
-              </a:rPr>
-              <a:t>とは，誰でも書き込み編集が行えるオープンなオンライン百科</a:t>
-            </a:r>
-            <a:r>
-              <a:rPr kumimoji="1" lang="ja-JP" altLang="en-US" sz="3600" dirty="0" smtClean="0">
-                <a:solidFill>
-                  <a:schemeClr val="tx1"/>
-                </a:solidFill>
-                <a:latin typeface="+mn-ea"/>
-              </a:rPr>
-              <a:t>事典で</a:t>
-            </a:r>
-            <a:r>
-              <a:rPr kumimoji="1" lang="ja-JP" altLang="en-US" sz="3600" dirty="0" smtClean="0">
-                <a:solidFill>
-                  <a:schemeClr val="tx1"/>
-                </a:solidFill>
-                <a:latin typeface="+mn-ea"/>
-              </a:rPr>
-              <a:t>ある．</a:t>
-            </a:r>
-            <a:endParaRPr kumimoji="1" lang="en-US" altLang="ja-JP" sz="3600" dirty="0" smtClean="0">
-              <a:solidFill>
-                <a:schemeClr val="tx1"/>
-              </a:solidFill>
-              <a:latin typeface="+mn-ea"/>
-            </a:endParaRPr>
-          </a:p>
-          <a:p>
-            <a:endParaRPr kumimoji="1" lang="en-US" altLang="ja-JP" sz="3600" dirty="0" smtClean="0">
-              <a:solidFill>
-                <a:schemeClr val="tx1"/>
-              </a:solidFill>
-              <a:latin typeface="+mn-ea"/>
-            </a:endParaRPr>
-          </a:p>
-        </p:txBody>
-      </p:sp>
-      <p:sp>
-        <p:nvSpPr>
-          <p:cNvPr id="4" name="正方形/長方形 3"/>
+          <a:bodyPr rtlCol="0" anchor="ctr"/>
+          <a:lstStyle/>
+          <a:p>
+            <a:r>
+              <a:rPr kumimoji="1" lang="ja-JP" altLang="en-US" b="1" dirty="0" smtClean="0"/>
+              <a:t>背景</a:t>
+            </a:r>
+            <a:endParaRPr kumimoji="1" lang="ja-JP" altLang="en-US" b="1" dirty="0"/>
+          </a:p>
+        </p:txBody>
+      </p:sp>
+      <p:sp>
+        <p:nvSpPr>
+          <p:cNvPr id="35" name="正方形/長方形 34"/>
           <p:cNvSpPr/>
           <p:nvPr/>
         </p:nvSpPr>
         <p:spPr>
           <a:xfrm>
-            <a:off x="180232" y="10243443"/>
-            <a:ext cx="20906812" cy="2921359"/>
+            <a:off x="180232" y="10182124"/>
+            <a:ext cx="20872389" cy="997423"/>
           </a:xfrm>
           <a:prstGeom prst="rect">
             <a:avLst/>
           </a:prstGeom>
-          <a:noFill/>
-          <a:ln w="38100">
-            <a:solidFill>
-              <a:schemeClr val="tx1"/>
-            </a:solidFill>
-          </a:ln>
         </p:spPr>
         <p:style>
           <a:lnRef idx="2">
@@ -4592,31 +4407,28 @@
           <a:bodyPr rtlCol="0" anchor="ctr"/>
           <a:lstStyle/>
           <a:p>
-            <a:pPr algn="ctr"/>
-            <a:endParaRPr kumimoji="1" lang="ja-JP" altLang="en-US"/>
-          </a:p>
-        </p:txBody>
-      </p:sp>
-      <p:sp>
-        <p:nvSpPr>
-          <p:cNvPr id="47" name="正方形/長方形 46"/>
+            <a:r>
+              <a:rPr kumimoji="1" lang="ja-JP" altLang="en-US" b="1" dirty="0" smtClean="0"/>
+              <a:t>目的</a:t>
+            </a:r>
+            <a:endParaRPr kumimoji="1" lang="ja-JP" altLang="en-US" b="1" dirty="0"/>
+          </a:p>
+        </p:txBody>
+      </p:sp>
+      <p:sp>
+        <p:nvSpPr>
+          <p:cNvPr id="38" name="正方形/長方形 37"/>
           <p:cNvSpPr/>
           <p:nvPr/>
         </p:nvSpPr>
         <p:spPr>
           <a:xfrm>
-            <a:off x="9510000" y="14656211"/>
-            <a:ext cx="11605225" cy="11907691"/>
+            <a:off x="180232" y="14214572"/>
+            <a:ext cx="8696041" cy="997423"/>
           </a:xfrm>
           <a:prstGeom prst="rect">
             <a:avLst/>
           </a:prstGeom>
-          <a:noFill/>
-          <a:ln w="38100">
-            <a:solidFill>
-              <a:schemeClr val="tx1"/>
-            </a:solidFill>
-          </a:ln>
         </p:spPr>
         <p:style>
           <a:lnRef idx="2">
@@ -4638,31 +4450,28 @@
           <a:bodyPr rtlCol="0" anchor="ctr"/>
           <a:lstStyle/>
           <a:p>
-            <a:pPr algn="ctr"/>
-            <a:endParaRPr kumimoji="1" lang="ja-JP" altLang="en-US"/>
-          </a:p>
-        </p:txBody>
-      </p:sp>
-      <p:sp>
-        <p:nvSpPr>
-          <p:cNvPr id="48" name="正方形/長方形 47"/>
+            <a:r>
+              <a:rPr lang="ja-JP" altLang="en-US" b="1" dirty="0"/>
+              <a:t>研究方法</a:t>
+            </a:r>
+            <a:endParaRPr kumimoji="1" lang="ja-JP" altLang="en-US" b="1" dirty="0"/>
+          </a:p>
+        </p:txBody>
+      </p:sp>
+      <p:sp>
+        <p:nvSpPr>
+          <p:cNvPr id="40" name="正方形/長方形 39"/>
           <p:cNvSpPr/>
           <p:nvPr/>
         </p:nvSpPr>
         <p:spPr>
           <a:xfrm>
-            <a:off x="180232" y="26805283"/>
-            <a:ext cx="20881529" cy="3240359"/>
+            <a:off x="9509998" y="14214572"/>
+            <a:ext cx="11605227" cy="997423"/>
           </a:xfrm>
           <a:prstGeom prst="rect">
             <a:avLst/>
           </a:prstGeom>
-          <a:noFill/>
-          <a:ln w="38100">
-            <a:solidFill>
-              <a:schemeClr val="tx1"/>
-            </a:solidFill>
-          </a:ln>
         </p:spPr>
         <p:style>
           <a:lnRef idx="2">
@@ -4684,31 +4493,32 @@
           <a:bodyPr rtlCol="0" anchor="ctr"/>
           <a:lstStyle/>
           <a:p>
-            <a:pPr algn="ctr"/>
-            <a:endParaRPr kumimoji="1" lang="ja-JP" altLang="en-US"/>
-          </a:p>
-        </p:txBody>
-      </p:sp>
-      <p:sp>
-        <p:nvSpPr>
-          <p:cNvPr id="49" name="正方形/長方形 48"/>
+            <a:r>
+              <a:rPr lang="ja-JP" altLang="en-US" b="1" dirty="0"/>
+              <a:t>現在</a:t>
+            </a:r>
+            <a:r>
+              <a:rPr lang="ja-JP" altLang="en-US" b="1" dirty="0" smtClean="0"/>
+              <a:t>の進捗状況</a:t>
+            </a:r>
+            <a:endParaRPr kumimoji="1" lang="ja-JP" altLang="en-US" b="1" dirty="0"/>
+          </a:p>
+        </p:txBody>
+      </p:sp>
+      <p:sp>
+        <p:nvSpPr>
+          <p:cNvPr id="42" name="正方形/長方形 41"/>
           <p:cNvSpPr/>
           <p:nvPr/>
         </p:nvSpPr>
         <p:spPr>
           <a:xfrm>
-            <a:off x="180233" y="14627574"/>
-            <a:ext cx="8712968" cy="11936327"/>
+            <a:off x="214655" y="26805283"/>
+            <a:ext cx="20872389" cy="1034319"/>
           </a:xfrm>
           <a:prstGeom prst="rect">
             <a:avLst/>
           </a:prstGeom>
-          <a:noFill/>
-          <a:ln w="38100">
-            <a:solidFill>
-              <a:schemeClr val="tx1"/>
-            </a:solidFill>
-          </a:ln>
         </p:spPr>
         <p:style>
           <a:lnRef idx="2">
@@ -4730,222 +4540,6 @@
           <a:bodyPr rtlCol="0" anchor="ctr"/>
           <a:lstStyle/>
           <a:p>
-            <a:pPr algn="ctr"/>
-            <a:endParaRPr kumimoji="1" lang="ja-JP" altLang="en-US"/>
-          </a:p>
-        </p:txBody>
-      </p:sp>
-      <p:sp>
-        <p:nvSpPr>
-          <p:cNvPr id="7" name="正方形/長方形 6"/>
-          <p:cNvSpPr/>
-          <p:nvPr/>
-        </p:nvSpPr>
-        <p:spPr>
-          <a:xfrm>
-            <a:off x="180232" y="2939975"/>
-            <a:ext cx="20872389" cy="997423"/>
-          </a:xfrm>
-          <a:prstGeom prst="rect">
-            <a:avLst/>
-          </a:prstGeom>
-        </p:spPr>
-        <p:style>
-          <a:lnRef idx="2">
-            <a:schemeClr val="accent1">
-              <a:shade val="50000"/>
-            </a:schemeClr>
-          </a:lnRef>
-          <a:fillRef idx="1">
-            <a:schemeClr val="accent1"/>
-          </a:fillRef>
-          <a:effectRef idx="0">
-            <a:schemeClr val="accent1"/>
-          </a:effectRef>
-          <a:fontRef idx="minor">
-            <a:schemeClr val="lt1"/>
-          </a:fontRef>
-        </p:style>
-        <p:txBody>
-          <a:bodyPr rtlCol="0" anchor="ctr"/>
-          <a:lstStyle/>
-          <a:p>
-            <a:r>
-              <a:rPr kumimoji="1" lang="ja-JP" altLang="en-US" b="1" dirty="0" smtClean="0"/>
-              <a:t>背景</a:t>
-            </a:r>
-            <a:endParaRPr kumimoji="1" lang="ja-JP" altLang="en-US" b="1" dirty="0"/>
-          </a:p>
-        </p:txBody>
-      </p:sp>
-      <p:sp>
-        <p:nvSpPr>
-          <p:cNvPr id="35" name="正方形/長方形 34"/>
-          <p:cNvSpPr/>
-          <p:nvPr/>
-        </p:nvSpPr>
-        <p:spPr>
-          <a:xfrm>
-            <a:off x="180232" y="10243443"/>
-            <a:ext cx="20872389" cy="997423"/>
-          </a:xfrm>
-          <a:prstGeom prst="rect">
-            <a:avLst/>
-          </a:prstGeom>
-        </p:spPr>
-        <p:style>
-          <a:lnRef idx="2">
-            <a:schemeClr val="accent1">
-              <a:shade val="50000"/>
-            </a:schemeClr>
-          </a:lnRef>
-          <a:fillRef idx="1">
-            <a:schemeClr val="accent1"/>
-          </a:fillRef>
-          <a:effectRef idx="0">
-            <a:schemeClr val="accent1"/>
-          </a:effectRef>
-          <a:fontRef idx="minor">
-            <a:schemeClr val="lt1"/>
-          </a:fontRef>
-        </p:style>
-        <p:txBody>
-          <a:bodyPr rtlCol="0" anchor="ctr"/>
-          <a:lstStyle/>
-          <a:p>
-            <a:r>
-              <a:rPr kumimoji="1" lang="ja-JP" altLang="en-US" b="1" dirty="0" smtClean="0"/>
-              <a:t>目的</a:t>
-            </a:r>
-            <a:endParaRPr kumimoji="1" lang="ja-JP" altLang="en-US" b="1" dirty="0"/>
-          </a:p>
-        </p:txBody>
-      </p:sp>
-      <p:sp>
-        <p:nvSpPr>
-          <p:cNvPr id="38" name="正方形/長方形 37"/>
-          <p:cNvSpPr/>
-          <p:nvPr/>
-        </p:nvSpPr>
-        <p:spPr>
-          <a:xfrm>
-            <a:off x="180232" y="13630151"/>
-            <a:ext cx="8696041" cy="997423"/>
-          </a:xfrm>
-          <a:prstGeom prst="rect">
-            <a:avLst/>
-          </a:prstGeom>
-        </p:spPr>
-        <p:style>
-          <a:lnRef idx="2">
-            <a:schemeClr val="accent1">
-              <a:shade val="50000"/>
-            </a:schemeClr>
-          </a:lnRef>
-          <a:fillRef idx="1">
-            <a:schemeClr val="accent1"/>
-          </a:fillRef>
-          <a:effectRef idx="0">
-            <a:schemeClr val="accent1"/>
-          </a:effectRef>
-          <a:fontRef idx="minor">
-            <a:schemeClr val="lt1"/>
-          </a:fontRef>
-        </p:style>
-        <p:txBody>
-          <a:bodyPr rtlCol="0" anchor="ctr"/>
-          <a:lstStyle/>
-          <a:p>
-            <a:r>
-              <a:rPr lang="ja-JP" altLang="en-US" b="1" dirty="0"/>
-              <a:t>研究方法</a:t>
-            </a:r>
-            <a:endParaRPr kumimoji="1" lang="ja-JP" altLang="en-US" b="1" dirty="0"/>
-          </a:p>
-        </p:txBody>
-      </p:sp>
-      <p:sp>
-        <p:nvSpPr>
-          <p:cNvPr id="40" name="正方形/長方形 39"/>
-          <p:cNvSpPr/>
-          <p:nvPr/>
-        </p:nvSpPr>
-        <p:spPr>
-          <a:xfrm>
-            <a:off x="9509998" y="13658788"/>
-            <a:ext cx="11605227" cy="997423"/>
-          </a:xfrm>
-          <a:prstGeom prst="rect">
-            <a:avLst/>
-          </a:prstGeom>
-        </p:spPr>
-        <p:style>
-          <a:lnRef idx="2">
-            <a:schemeClr val="accent1">
-              <a:shade val="50000"/>
-            </a:schemeClr>
-          </a:lnRef>
-          <a:fillRef idx="1">
-            <a:schemeClr val="accent1"/>
-          </a:fillRef>
-          <a:effectRef idx="0">
-            <a:schemeClr val="accent1"/>
-          </a:effectRef>
-          <a:fontRef idx="minor">
-            <a:schemeClr val="lt1"/>
-          </a:fontRef>
-        </p:style>
-        <p:txBody>
-          <a:bodyPr rtlCol="0" anchor="ctr"/>
-          <a:lstStyle/>
-          <a:p>
-            <a:r>
-              <a:rPr lang="ja-JP" altLang="en-US" b="1" dirty="0"/>
-              <a:t>現在</a:t>
-            </a:r>
-            <a:r>
-              <a:rPr lang="ja-JP" altLang="en-US" b="1" dirty="0" smtClean="0"/>
-              <a:t>の進捗状況</a:t>
-            </a:r>
-            <a:endParaRPr kumimoji="1" lang="ja-JP" altLang="en-US" b="1" dirty="0"/>
-          </a:p>
-        </p:txBody>
-      </p:sp>
-      <p:sp>
-        <p:nvSpPr>
-          <p:cNvPr id="42" name="正方形/長方形 41"/>
-          <p:cNvSpPr/>
-          <p:nvPr/>
-        </p:nvSpPr>
-        <p:spPr>
-          <a:xfrm>
-            <a:off x="214655" y="26805283"/>
-            <a:ext cx="20872389" cy="1034319"/>
-          </a:xfrm>
-          <a:prstGeom prst="rect">
-            <a:avLst/>
-          </a:prstGeom>
-        </p:spPr>
-        <p:style>
-          <a:lnRef idx="2">
-            <a:schemeClr val="accent1">
-              <a:shade val="50000"/>
-            </a:schemeClr>
-          </a:lnRef>
-          <a:fillRef idx="1">
-            <a:schemeClr val="accent1"/>
-          </a:fillRef>
-          <a:effectRef idx="0">
-            <a:schemeClr val="accent1"/>
-          </a:effectRef>
-          <a:fontRef idx="minor">
-            <a:schemeClr val="lt1"/>
-          </a:fontRef>
-        </p:style>
-        <p:txBody>
-          <a:bodyPr rtlCol="0" anchor="ctr"/>
-          <a:lstStyle/>
-          <a:p>
             <a:r>
               <a:rPr lang="ja-JP" altLang="en-US" b="1" dirty="0"/>
               <a:t>今後の計画</a:t>
@@ -4954,146 +4548,9 @@
           </a:p>
         </p:txBody>
       </p:sp>
-      <p:sp>
-        <p:nvSpPr>
-          <p:cNvPr id="56" name="正方形/長方形 55"/>
-          <p:cNvSpPr/>
-          <p:nvPr/>
-        </p:nvSpPr>
-        <p:spPr>
-          <a:xfrm>
-            <a:off x="627129" y="15092923"/>
-            <a:ext cx="7729360" cy="4773516"/>
-          </a:xfrm>
-          <a:prstGeom prst="rect">
-            <a:avLst/>
-          </a:prstGeom>
-          <a:solidFill>
-            <a:schemeClr val="bg1"/>
-          </a:solidFill>
-          <a:ln>
-            <a:solidFill>
-              <a:schemeClr val="accent1"/>
-            </a:solidFill>
-          </a:ln>
-        </p:spPr>
-        <p:style>
-          <a:lnRef idx="2">
-            <a:schemeClr val="accent1">
-              <a:shade val="50000"/>
-            </a:schemeClr>
-          </a:lnRef>
-          <a:fillRef idx="1">
-            <a:schemeClr val="accent1"/>
-          </a:fillRef>
-          <a:effectRef idx="0">
-            <a:schemeClr val="accent1"/>
-          </a:effectRef>
-          <a:fontRef idx="minor">
-            <a:schemeClr val="lt1"/>
-          </a:fontRef>
-        </p:style>
-        <p:txBody>
-          <a:bodyPr lIns="295232" tIns="147616" rIns="295232" bIns="147616" rtlCol="0" anchor="t"/>
-          <a:lstStyle/>
-          <a:p>
-            <a:pPr marL="742950" indent="-742950">
-              <a:buFont typeface="+mj-lt"/>
-              <a:buAutoNum type="arabicPeriod"/>
-            </a:pPr>
-            <a:r>
-              <a:rPr lang="en-US" altLang="ja-JP" sz="3600" dirty="0" smtClean="0">
-                <a:solidFill>
-                  <a:schemeClr val="tx1"/>
-                </a:solidFill>
-                <a:latin typeface="+mn-ea"/>
-              </a:rPr>
-              <a:t>Wikipedia</a:t>
-            </a:r>
-            <a:r>
-              <a:rPr lang="ja-JP" altLang="en-US" sz="3600" dirty="0" smtClean="0">
-                <a:solidFill>
-                  <a:schemeClr val="tx1"/>
-                </a:solidFill>
-                <a:latin typeface="+mn-ea"/>
-              </a:rPr>
-              <a:t>の編集履歴から編集回数や版の情報量を取得．</a:t>
-            </a:r>
-          </a:p>
-          <a:p>
-            <a:pPr marL="742950" indent="-742950">
-              <a:buFont typeface="+mj-lt"/>
-              <a:buAutoNum type="arabicPeriod"/>
-            </a:pPr>
-            <a:r>
-              <a:rPr lang="ja-JP" altLang="en-US" sz="3600" dirty="0" smtClean="0">
-                <a:solidFill>
-                  <a:schemeClr val="tx1"/>
-                </a:solidFill>
-                <a:latin typeface="+mn-ea"/>
-              </a:rPr>
-              <a:t>編集回数や版の情報量などの要素を洗い出し，ヒストグラムを作成する．</a:t>
-            </a:r>
-            <a:endParaRPr lang="en-US" altLang="ja-JP" sz="3600" dirty="0" smtClean="0">
-              <a:solidFill>
-                <a:schemeClr val="tx1"/>
-              </a:solidFill>
-              <a:latin typeface="+mn-ea"/>
-            </a:endParaRPr>
-          </a:p>
-          <a:p>
-            <a:pPr marL="742950" indent="-742950">
-              <a:buFont typeface="+mj-lt"/>
-              <a:buAutoNum type="arabicPeriod"/>
-            </a:pPr>
-            <a:r>
-              <a:rPr lang="ja-JP" altLang="en-US" sz="3600" dirty="0">
-                <a:solidFill>
-                  <a:schemeClr val="tx1"/>
-                </a:solidFill>
-                <a:latin typeface="+mn-ea"/>
-              </a:rPr>
-              <a:t>その結果から</a:t>
-            </a:r>
-            <a:r>
-              <a:rPr lang="en-US" altLang="ja-JP" sz="3600" dirty="0">
-                <a:solidFill>
-                  <a:schemeClr val="tx1"/>
-                </a:solidFill>
-                <a:latin typeface="+mn-ea"/>
-              </a:rPr>
-              <a:t>Wikipedia</a:t>
-            </a:r>
-            <a:r>
-              <a:rPr lang="ja-JP" altLang="en-US" sz="3600" dirty="0">
-                <a:solidFill>
-                  <a:schemeClr val="tx1"/>
-                </a:solidFill>
-                <a:latin typeface="+mn-ea"/>
-              </a:rPr>
-              <a:t>におけるプロジェクトマネジメントの状況を分析する</a:t>
-            </a:r>
-            <a:r>
-              <a:rPr lang="ja-JP" altLang="en-US" sz="3600" dirty="0" smtClean="0">
-                <a:solidFill>
-                  <a:schemeClr val="tx1"/>
-                </a:solidFill>
-                <a:latin typeface="+mn-ea"/>
-              </a:rPr>
-              <a:t>．</a:t>
-            </a:r>
-            <a:endParaRPr lang="ja-JP" altLang="en-US" sz="3600" dirty="0">
-              <a:solidFill>
-                <a:schemeClr val="tx1"/>
-              </a:solidFill>
-              <a:latin typeface="+mn-ea"/>
-            </a:endParaRPr>
-          </a:p>
-        </p:txBody>
-      </p:sp>
       <p:pic>
         <p:nvPicPr>
-          <p:cNvPr id="14" name="図 13"/>
+          <p:cNvPr id="18" name="図 17"/>
           <p:cNvPicPr>
             <a:picLocks noChangeAspect="1"/>
           </p:cNvPicPr>
@@ -5113,8 +4570,8 @@
         </p:blipFill>
         <p:spPr>
           <a:xfrm>
-            <a:off x="646916" y="20502413"/>
-            <a:ext cx="7399413" cy="4121453"/>
+            <a:off x="11159498" y="17112936"/>
+            <a:ext cx="8306226" cy="8284831"/>
           </a:xfrm>
           <a:prstGeom prst="rect">
             <a:avLst/>
@@ -5123,14 +4580,14 @@
       </p:pic>
       <p:sp>
         <p:nvSpPr>
-          <p:cNvPr id="15" name="テキスト ボックス 14"/>
+          <p:cNvPr id="19" name="テキスト ボックス 18"/>
           <p:cNvSpPr txBox="1"/>
           <p:nvPr/>
         </p:nvSpPr>
         <p:spPr>
           <a:xfrm>
-            <a:off x="880636" y="25440307"/>
-            <a:ext cx="7312161" cy="646331"/>
+            <a:off x="11028134" y="25586589"/>
+            <a:ext cx="8568953" cy="646331"/>
           </a:xfrm>
           <a:prstGeom prst="rect">
             <a:avLst/>
@@ -5143,28 +4600,625 @@
           </a:bodyPr>
           <a:lstStyle/>
           <a:p>
-            <a:r>
-              <a:rPr kumimoji="1" lang="en-US" altLang="ja-JP" sz="3600" dirty="0" smtClean="0"/>
+            <a:pPr algn="ctr"/>
+            <a:r>
+              <a:rPr kumimoji="1" lang="ja-JP" altLang="en-US" sz="3600" dirty="0" smtClean="0"/>
+              <a:t>作成したヒストグラム</a:t>
+            </a:r>
+            <a:endParaRPr kumimoji="1" lang="ja-JP" altLang="en-US" sz="3600" dirty="0"/>
+          </a:p>
+        </p:txBody>
+      </p:sp>
+      <p:sp>
+        <p:nvSpPr>
+          <p:cNvPr id="5" name="円/楕円 4"/>
+          <p:cNvSpPr/>
+          <p:nvPr/>
+        </p:nvSpPr>
+        <p:spPr>
+          <a:xfrm>
+            <a:off x="243975" y="4673195"/>
+            <a:ext cx="5256584" cy="2729828"/>
+          </a:xfrm>
+          <a:prstGeom prst="ellipse">
+            <a:avLst/>
+          </a:prstGeom>
+          <a:solidFill>
+            <a:schemeClr val="bg1"/>
+          </a:solidFill>
+          <a:ln>
+            <a:solidFill>
+              <a:srgbClr val="00B0F0"/>
+            </a:solidFill>
+          </a:ln>
+        </p:spPr>
+        <p:style>
+          <a:lnRef idx="2">
+            <a:schemeClr val="accent1">
+              <a:shade val="50000"/>
+            </a:schemeClr>
+          </a:lnRef>
+          <a:fillRef idx="1">
+            <a:schemeClr val="accent1"/>
+          </a:fillRef>
+          <a:effectRef idx="0">
+            <a:schemeClr val="accent1"/>
+          </a:effectRef>
+          <a:fontRef idx="minor">
+            <a:schemeClr val="lt1"/>
+          </a:fontRef>
+        </p:style>
+        <p:txBody>
+          <a:bodyPr rtlCol="0" anchor="ctr"/>
+          <a:lstStyle/>
+          <a:p>
+            <a:pPr algn="ctr"/>
+            <a:r>
+              <a:rPr kumimoji="1" lang="en-US" altLang="ja-JP" sz="3600" dirty="0" smtClean="0">
+                <a:solidFill>
+                  <a:schemeClr val="tx1"/>
+                </a:solidFill>
+              </a:rPr>
               <a:t>Wikipedia</a:t>
             </a:r>
             <a:r>
-              <a:rPr kumimoji="1" lang="ja-JP" altLang="en-US" sz="3600" dirty="0" smtClean="0"/>
-              <a:t>の変更履歴のウェブページ</a:t>
-            </a:r>
-            <a:endParaRPr kumimoji="1" lang="ja-JP" altLang="en-US" sz="3600" dirty="0"/>
+              <a:rPr kumimoji="1" lang="ja-JP" altLang="en-US" sz="3600" dirty="0" smtClean="0">
+                <a:solidFill>
+                  <a:schemeClr val="tx1"/>
+                </a:solidFill>
+              </a:rPr>
+              <a:t>は誰でも編集できる</a:t>
+            </a:r>
+            <a:endParaRPr kumimoji="1" lang="ja-JP" altLang="en-US" sz="3600" dirty="0">
+              <a:solidFill>
+                <a:schemeClr val="tx1"/>
+              </a:solidFill>
+            </a:endParaRPr>
+          </a:p>
+        </p:txBody>
+      </p:sp>
+      <p:sp>
+        <p:nvSpPr>
+          <p:cNvPr id="31" name="円/楕円 30"/>
+          <p:cNvSpPr/>
+          <p:nvPr/>
+        </p:nvSpPr>
+        <p:spPr>
+          <a:xfrm>
+            <a:off x="7878126" y="4410796"/>
+            <a:ext cx="5256584" cy="2904418"/>
+          </a:xfrm>
+          <a:prstGeom prst="ellipse">
+            <a:avLst/>
+          </a:prstGeom>
+          <a:solidFill>
+            <a:schemeClr val="bg1"/>
+          </a:solidFill>
+          <a:ln>
+            <a:solidFill>
+              <a:srgbClr val="00B0F0"/>
+            </a:solidFill>
+          </a:ln>
+        </p:spPr>
+        <p:style>
+          <a:lnRef idx="2">
+            <a:schemeClr val="accent1">
+              <a:shade val="50000"/>
+            </a:schemeClr>
+          </a:lnRef>
+          <a:fillRef idx="1">
+            <a:schemeClr val="accent1"/>
+          </a:fillRef>
+          <a:effectRef idx="0">
+            <a:schemeClr val="accent1"/>
+          </a:effectRef>
+          <a:fontRef idx="minor">
+            <a:schemeClr val="lt1"/>
+          </a:fontRef>
+        </p:style>
+        <p:txBody>
+          <a:bodyPr rtlCol="0" anchor="ctr"/>
+          <a:lstStyle/>
+          <a:p>
+            <a:pPr algn="ctr"/>
+            <a:r>
+              <a:rPr kumimoji="1" lang="ja-JP" altLang="en-US" sz="3600" dirty="0" smtClean="0">
+                <a:solidFill>
+                  <a:schemeClr val="tx1"/>
+                </a:solidFill>
+              </a:rPr>
+              <a:t>記事の品質は保たれている</a:t>
+            </a:r>
+            <a:endParaRPr kumimoji="1" lang="ja-JP" altLang="en-US" sz="3600" dirty="0">
+              <a:solidFill>
+                <a:schemeClr val="tx1"/>
+              </a:solidFill>
+            </a:endParaRPr>
+          </a:p>
+        </p:txBody>
+      </p:sp>
+      <p:sp>
+        <p:nvSpPr>
+          <p:cNvPr id="6" name="右矢印 5"/>
+          <p:cNvSpPr/>
+          <p:nvPr/>
+        </p:nvSpPr>
+        <p:spPr>
+          <a:xfrm>
+            <a:off x="5822719" y="5706939"/>
+            <a:ext cx="1923904" cy="1272046"/>
+          </a:xfrm>
+          <a:prstGeom prst="rightArrow">
+            <a:avLst/>
+          </a:prstGeom>
+        </p:spPr>
+        <p:style>
+          <a:lnRef idx="2">
+            <a:schemeClr val="accent1">
+              <a:shade val="50000"/>
+            </a:schemeClr>
+          </a:lnRef>
+          <a:fillRef idx="1">
+            <a:schemeClr val="accent1"/>
+          </a:fillRef>
+          <a:effectRef idx="0">
+            <a:schemeClr val="accent1"/>
+          </a:effectRef>
+          <a:fontRef idx="minor">
+            <a:schemeClr val="lt1"/>
+          </a:fontRef>
+        </p:style>
+        <p:txBody>
+          <a:bodyPr rtlCol="0" anchor="ctr"/>
+          <a:lstStyle/>
+          <a:p>
+            <a:pPr algn="ctr"/>
+            <a:endParaRPr kumimoji="1" lang="ja-JP" altLang="en-US"/>
+          </a:p>
+        </p:txBody>
+      </p:sp>
+      <p:sp>
+        <p:nvSpPr>
+          <p:cNvPr id="32" name="円/楕円 31"/>
+          <p:cNvSpPr/>
+          <p:nvPr/>
+        </p:nvSpPr>
+        <p:spPr>
+          <a:xfrm>
+            <a:off x="15420661" y="4554811"/>
+            <a:ext cx="5256584" cy="2689500"/>
+          </a:xfrm>
+          <a:prstGeom prst="ellipse">
+            <a:avLst/>
+          </a:prstGeom>
+          <a:solidFill>
+            <a:schemeClr val="bg1"/>
+          </a:solidFill>
+          <a:ln>
+            <a:solidFill>
+              <a:srgbClr val="00B0F0"/>
+            </a:solidFill>
+          </a:ln>
+        </p:spPr>
+        <p:style>
+          <a:lnRef idx="2">
+            <a:schemeClr val="accent1">
+              <a:shade val="50000"/>
+            </a:schemeClr>
+          </a:lnRef>
+          <a:fillRef idx="1">
+            <a:schemeClr val="accent1"/>
+          </a:fillRef>
+          <a:effectRef idx="0">
+            <a:schemeClr val="accent1"/>
+          </a:effectRef>
+          <a:fontRef idx="minor">
+            <a:schemeClr val="lt1"/>
+          </a:fontRef>
+        </p:style>
+        <p:txBody>
+          <a:bodyPr rtlCol="0" anchor="ctr"/>
+          <a:lstStyle/>
+          <a:p>
+            <a:pPr algn="ctr"/>
+            <a:r>
+              <a:rPr kumimoji="1" lang="ja-JP" altLang="en-US" sz="3600" dirty="0" smtClean="0">
+                <a:solidFill>
+                  <a:schemeClr val="tx1"/>
+                </a:solidFill>
+              </a:rPr>
+              <a:t>プロジェクトマネジメントが行われている？</a:t>
+            </a:r>
+            <a:endParaRPr kumimoji="1" lang="ja-JP" altLang="en-US" sz="3600" dirty="0">
+              <a:solidFill>
+                <a:schemeClr val="tx1"/>
+              </a:solidFill>
+            </a:endParaRPr>
+          </a:p>
+        </p:txBody>
+      </p:sp>
+      <p:sp>
+        <p:nvSpPr>
+          <p:cNvPr id="33" name="右矢印 32"/>
+          <p:cNvSpPr/>
+          <p:nvPr/>
+        </p:nvSpPr>
+        <p:spPr>
+          <a:xfrm>
+            <a:off x="13388706" y="5562923"/>
+            <a:ext cx="1923904" cy="1272046"/>
+          </a:xfrm>
+          <a:prstGeom prst="rightArrow">
+            <a:avLst/>
+          </a:prstGeom>
+        </p:spPr>
+        <p:style>
+          <a:lnRef idx="2">
+            <a:schemeClr val="accent1">
+              <a:shade val="50000"/>
+            </a:schemeClr>
+          </a:lnRef>
+          <a:fillRef idx="1">
+            <a:schemeClr val="accent1"/>
+          </a:fillRef>
+          <a:effectRef idx="0">
+            <a:schemeClr val="accent1"/>
+          </a:effectRef>
+          <a:fontRef idx="minor">
+            <a:schemeClr val="lt1"/>
+          </a:fontRef>
+        </p:style>
+        <p:txBody>
+          <a:bodyPr rtlCol="0" anchor="ctr"/>
+          <a:lstStyle/>
+          <a:p>
+            <a:pPr algn="ctr"/>
+            <a:endParaRPr kumimoji="1" lang="ja-JP" altLang="en-US"/>
+          </a:p>
+        </p:txBody>
+      </p:sp>
+      <p:sp>
+        <p:nvSpPr>
+          <p:cNvPr id="39" name="角丸四角形 38"/>
+          <p:cNvSpPr/>
+          <p:nvPr/>
+        </p:nvSpPr>
+        <p:spPr>
+          <a:xfrm>
+            <a:off x="1281031" y="18254203"/>
+            <a:ext cx="6391785" cy="1558691"/>
+          </a:xfrm>
+          <a:prstGeom prst="roundRect">
+            <a:avLst/>
+          </a:prstGeom>
+          <a:noFill/>
+          <a:ln>
+            <a:solidFill>
+              <a:schemeClr val="accent1"/>
+            </a:solidFill>
+          </a:ln>
+          <a:effectLst/>
+        </p:spPr>
+        <p:style>
+          <a:lnRef idx="1">
+            <a:schemeClr val="accent1"/>
+          </a:lnRef>
+          <a:fillRef idx="3">
+            <a:schemeClr val="accent1"/>
+          </a:fillRef>
+          <a:effectRef idx="2">
+            <a:schemeClr val="accent1"/>
+          </a:effectRef>
+          <a:fontRef idx="minor">
+            <a:schemeClr val="lt1"/>
+          </a:fontRef>
+        </p:style>
+        <p:txBody>
+          <a:bodyPr rot="0" spcFirstLastPara="0" vertOverflow="overflow" horzOverflow="overflow" vert="horz" wrap="square" lIns="91440" tIns="45720" rIns="91440" bIns="45720" numCol="1" spcCol="0" rtlCol="0" fromWordArt="0" anchor="ctr" anchorCtr="0" forceAA="0" compatLnSpc="1">
+            <a:prstTxWarp prst="textNoShape">
+              <a:avLst/>
+            </a:prstTxWarp>
+            <a:noAutofit/>
+          </a:bodyPr>
+          <a:lstStyle/>
+          <a:p>
+            <a:pPr algn="ctr"/>
+            <a:r>
+              <a:rPr lang="ja-JP" altLang="en-US" sz="3600" dirty="0">
+                <a:solidFill>
+                  <a:schemeClr val="tx1"/>
+                </a:solidFill>
+                <a:latin typeface="+mn-ea"/>
+              </a:rPr>
+              <a:t>編集回数や版の</a:t>
+            </a:r>
+            <a:r>
+              <a:rPr lang="ja-JP" altLang="en-US" sz="3600" dirty="0" smtClean="0">
+                <a:solidFill>
+                  <a:schemeClr val="tx1"/>
+                </a:solidFill>
+                <a:latin typeface="+mn-ea"/>
+              </a:rPr>
+              <a:t>情報量の要素を洗い出す</a:t>
+            </a:r>
+            <a:endParaRPr lang="ja-JP" altLang="en-US" sz="3600" dirty="0">
+              <a:solidFill>
+                <a:schemeClr val="tx1"/>
+              </a:solidFill>
+              <a:latin typeface="+mn-ea"/>
+            </a:endParaRPr>
+          </a:p>
+        </p:txBody>
+      </p:sp>
+      <p:sp>
+        <p:nvSpPr>
+          <p:cNvPr id="41" name="角丸四角形 40"/>
+          <p:cNvSpPr/>
+          <p:nvPr/>
+        </p:nvSpPr>
+        <p:spPr>
+          <a:xfrm>
+            <a:off x="468264" y="15632206"/>
+            <a:ext cx="7727886" cy="762886"/>
+          </a:xfrm>
+          <a:prstGeom prst="roundRect">
+            <a:avLst/>
+          </a:prstGeom>
+          <a:noFill/>
+          <a:ln>
+            <a:solidFill>
+              <a:schemeClr val="accent1"/>
+            </a:solidFill>
+          </a:ln>
+          <a:effectLst/>
+        </p:spPr>
+        <p:style>
+          <a:lnRef idx="1">
+            <a:schemeClr val="accent1"/>
+          </a:lnRef>
+          <a:fillRef idx="3">
+            <a:schemeClr val="accent1"/>
+          </a:fillRef>
+          <a:effectRef idx="2">
+            <a:schemeClr val="accent1"/>
+          </a:effectRef>
+          <a:fontRef idx="minor">
+            <a:schemeClr val="lt1"/>
+          </a:fontRef>
+        </p:style>
+        <p:txBody>
+          <a:bodyPr rot="0" spcFirstLastPara="0" vertOverflow="overflow" horzOverflow="overflow" vert="horz" wrap="square" lIns="91440" tIns="45720" rIns="91440" bIns="45720" numCol="1" spcCol="0" rtlCol="0" fromWordArt="0" anchor="ctr" anchorCtr="0" forceAA="0" compatLnSpc="1">
+            <a:prstTxWarp prst="textNoShape">
+              <a:avLst/>
+            </a:prstTxWarp>
+            <a:noAutofit/>
+          </a:bodyPr>
+          <a:lstStyle/>
+          <a:p>
+            <a:pPr algn="ctr"/>
+            <a:r>
+              <a:rPr lang="ja-JP" altLang="en-US" sz="3600" dirty="0">
+                <a:solidFill>
+                  <a:schemeClr val="tx1"/>
+                </a:solidFill>
+                <a:latin typeface="+mn-ea"/>
+              </a:rPr>
+              <a:t>編集回数や版の情報量を取得</a:t>
+            </a:r>
+            <a:r>
+              <a:rPr lang="ja-JP" altLang="en-US" sz="3600" dirty="0" smtClean="0">
+                <a:solidFill>
+                  <a:schemeClr val="tx1"/>
+                </a:solidFill>
+                <a:latin typeface="+mn-ea"/>
+              </a:rPr>
+              <a:t>．</a:t>
+            </a:r>
+            <a:endParaRPr lang="ja-JP" altLang="en-US" sz="3600" dirty="0">
+              <a:solidFill>
+                <a:schemeClr val="tx1"/>
+              </a:solidFill>
+              <a:latin typeface="+mn-ea"/>
+            </a:endParaRPr>
+          </a:p>
+        </p:txBody>
+      </p:sp>
+      <p:sp>
+        <p:nvSpPr>
+          <p:cNvPr id="43" name="角丸四角形 42"/>
+          <p:cNvSpPr/>
+          <p:nvPr/>
+        </p:nvSpPr>
+        <p:spPr>
+          <a:xfrm>
+            <a:off x="1354838" y="21507660"/>
+            <a:ext cx="6391785" cy="1801446"/>
+          </a:xfrm>
+          <a:prstGeom prst="roundRect">
+            <a:avLst/>
+          </a:prstGeom>
+          <a:noFill/>
+          <a:ln>
+            <a:solidFill>
+              <a:schemeClr val="accent1"/>
+            </a:solidFill>
+          </a:ln>
+          <a:effectLst/>
+        </p:spPr>
+        <p:style>
+          <a:lnRef idx="1">
+            <a:schemeClr val="accent1"/>
+          </a:lnRef>
+          <a:fillRef idx="3">
+            <a:schemeClr val="accent1"/>
+          </a:fillRef>
+          <a:effectRef idx="2">
+            <a:schemeClr val="accent1"/>
+          </a:effectRef>
+          <a:fontRef idx="minor">
+            <a:schemeClr val="lt1"/>
+          </a:fontRef>
+        </p:style>
+        <p:txBody>
+          <a:bodyPr rot="0" spcFirstLastPara="0" vertOverflow="overflow" horzOverflow="overflow" vert="horz" wrap="square" lIns="91440" tIns="45720" rIns="91440" bIns="45720" numCol="1" spcCol="0" rtlCol="0" fromWordArt="0" anchor="ctr" anchorCtr="0" forceAA="0" compatLnSpc="1">
+            <a:prstTxWarp prst="textNoShape">
+              <a:avLst/>
+            </a:prstTxWarp>
+            <a:noAutofit/>
+          </a:bodyPr>
+          <a:lstStyle/>
+          <a:p>
+            <a:pPr algn="ctr"/>
+            <a:r>
+              <a:rPr lang="ja-JP" altLang="en-US" sz="3600" dirty="0">
+                <a:solidFill>
+                  <a:schemeClr val="tx1"/>
+                </a:solidFill>
+              </a:rPr>
+              <a:t>統計解析ソフト「</a:t>
+            </a:r>
+            <a:r>
+              <a:rPr lang="en-US" altLang="ja-JP" sz="3600" dirty="0">
+                <a:solidFill>
+                  <a:schemeClr val="tx1"/>
+                </a:solidFill>
+              </a:rPr>
+              <a:t>R</a:t>
+            </a:r>
+            <a:r>
+              <a:rPr lang="ja-JP" altLang="en-US" sz="3600" dirty="0" smtClean="0">
+                <a:solidFill>
+                  <a:schemeClr val="tx1"/>
+                </a:solidFill>
+              </a:rPr>
+              <a:t>」で</a:t>
+            </a:r>
+            <a:r>
+              <a:rPr lang="ja-JP" altLang="en-US" sz="3600" dirty="0" smtClean="0">
+                <a:solidFill>
+                  <a:schemeClr val="tx1"/>
+                </a:solidFill>
+                <a:latin typeface="+mn-ea"/>
+              </a:rPr>
+              <a:t>ヒストグラム</a:t>
+            </a:r>
+            <a:r>
+              <a:rPr lang="ja-JP" altLang="en-US" sz="3600" dirty="0">
+                <a:solidFill>
+                  <a:schemeClr val="tx1"/>
+                </a:solidFill>
+                <a:latin typeface="+mn-ea"/>
+              </a:rPr>
+              <a:t>を作成</a:t>
+            </a:r>
+            <a:r>
+              <a:rPr lang="ja-JP" altLang="en-US" sz="3600" dirty="0" smtClean="0">
+                <a:solidFill>
+                  <a:schemeClr val="tx1"/>
+                </a:solidFill>
+                <a:latin typeface="+mn-ea"/>
+              </a:rPr>
+              <a:t>する</a:t>
+            </a:r>
+            <a:endParaRPr lang="ja-JP" altLang="en-US" sz="3600" dirty="0">
+              <a:solidFill>
+                <a:schemeClr val="tx1"/>
+              </a:solidFill>
+              <a:latin typeface="+mn-ea"/>
+            </a:endParaRPr>
+          </a:p>
+        </p:txBody>
+      </p:sp>
+      <p:sp>
+        <p:nvSpPr>
+          <p:cNvPr id="51" name="右矢印 50"/>
+          <p:cNvSpPr/>
+          <p:nvPr/>
+        </p:nvSpPr>
+        <p:spPr>
+          <a:xfrm rot="5400000">
+            <a:off x="3695802" y="16790670"/>
+            <a:ext cx="1272802" cy="1218109"/>
+          </a:xfrm>
+          <a:prstGeom prst="rightArrow">
+            <a:avLst/>
+          </a:prstGeom>
+        </p:spPr>
+        <p:style>
+          <a:lnRef idx="2">
+            <a:schemeClr val="accent1">
+              <a:shade val="50000"/>
+            </a:schemeClr>
+          </a:lnRef>
+          <a:fillRef idx="1">
+            <a:schemeClr val="accent1"/>
+          </a:fillRef>
+          <a:effectRef idx="0">
+            <a:schemeClr val="accent1"/>
+          </a:effectRef>
+          <a:fontRef idx="minor">
+            <a:schemeClr val="lt1"/>
+          </a:fontRef>
+        </p:style>
+        <p:txBody>
+          <a:bodyPr rtlCol="0" anchor="ctr"/>
+          <a:lstStyle/>
+          <a:p>
+            <a:pPr algn="ctr"/>
+            <a:endParaRPr kumimoji="1" lang="ja-JP" altLang="en-US"/>
+          </a:p>
+        </p:txBody>
+      </p:sp>
+      <p:sp>
+        <p:nvSpPr>
+          <p:cNvPr id="52" name="右矢印 51"/>
+          <p:cNvSpPr/>
+          <p:nvPr/>
+        </p:nvSpPr>
+        <p:spPr>
+          <a:xfrm rot="5400000">
+            <a:off x="3695802" y="19977211"/>
+            <a:ext cx="1272802" cy="1218109"/>
+          </a:xfrm>
+          <a:prstGeom prst="rightArrow">
+            <a:avLst/>
+          </a:prstGeom>
+        </p:spPr>
+        <p:style>
+          <a:lnRef idx="2">
+            <a:schemeClr val="accent1">
+              <a:shade val="50000"/>
+            </a:schemeClr>
+          </a:lnRef>
+          <a:fillRef idx="1">
+            <a:schemeClr val="accent1"/>
+          </a:fillRef>
+          <a:effectRef idx="0">
+            <a:schemeClr val="accent1"/>
+          </a:effectRef>
+          <a:fontRef idx="minor">
+            <a:schemeClr val="lt1"/>
+          </a:fontRef>
+        </p:style>
+        <p:txBody>
+          <a:bodyPr rtlCol="0" anchor="ctr"/>
+          <a:lstStyle/>
+          <a:p>
+            <a:pPr algn="ctr"/>
+            <a:endParaRPr kumimoji="1" lang="ja-JP" altLang="en-US"/>
           </a:p>
         </p:txBody>
       </p:sp>
       <p:pic>
         <p:nvPicPr>
-          <p:cNvPr id="18" name="図 17"/>
+          <p:cNvPr id="16" name="図 15"/>
           <p:cNvPicPr>
             <a:picLocks noChangeAspect="1"/>
           </p:cNvPicPr>
           <p:nvPr/>
         </p:nvPicPr>
         <p:blipFill>
-          <a:blip r:embed="rId4">
+          <a:blip r:embed="rId4" cstate="print">
             <a:extLst>
               <a:ext uri="{28A0092B-C50C-407E-A947-70E740481C1C}">
                 <a14:useLocalDpi xmlns:a14="http://schemas.microsoft.com/office/drawing/2010/main" val="0"/>
@@ -5177,8 +5231,8 @@
         </p:blipFill>
         <p:spPr>
           <a:xfrm>
-            <a:off x="11159498" y="17112936"/>
-            <a:ext cx="8306226" cy="8284831"/>
+            <a:off x="905469" y="23779729"/>
+            <a:ext cx="4176446" cy="2326269"/>
           </a:xfrm>
           <a:prstGeom prst="rect">
             <a:avLst/>
@@ -5187,14 +5241,14 @@
       </p:pic>
       <p:sp>
         <p:nvSpPr>
-          <p:cNvPr id="19" name="テキスト ボックス 18"/>
+          <p:cNvPr id="17" name="テキスト ボックス 16"/>
           <p:cNvSpPr txBox="1"/>
           <p:nvPr/>
         </p:nvSpPr>
         <p:spPr>
           <a:xfrm>
-            <a:off x="11028134" y="25586589"/>
-            <a:ext cx="8568953" cy="646331"/>
+            <a:off x="4461719" y="25727712"/>
+            <a:ext cx="4178654" cy="523220"/>
           </a:xfrm>
           <a:prstGeom prst="rect">
             <a:avLst/>
@@ -5207,12 +5261,379 @@
           </a:bodyPr>
           <a:lstStyle/>
           <a:p>
+            <a:r>
+              <a:rPr kumimoji="1" lang="ja-JP" altLang="en-US" sz="2800" dirty="0" smtClean="0"/>
+              <a:t>編集履歴のウェブページ</a:t>
+            </a:r>
+            <a:endParaRPr kumimoji="1" lang="ja-JP" altLang="en-US" sz="2800" dirty="0"/>
+          </a:p>
+        </p:txBody>
+      </p:sp>
+      <p:sp>
+        <p:nvSpPr>
+          <p:cNvPr id="53" name="角丸四角形 52"/>
+          <p:cNvSpPr/>
+          <p:nvPr/>
+        </p:nvSpPr>
+        <p:spPr>
+          <a:xfrm>
+            <a:off x="13968144" y="11815214"/>
+            <a:ext cx="5497580" cy="2028629"/>
+          </a:xfrm>
+          <a:prstGeom prst="roundRect">
+            <a:avLst/>
+          </a:prstGeom>
+          <a:noFill/>
+          <a:ln>
+            <a:solidFill>
+              <a:schemeClr val="accent1"/>
+            </a:solidFill>
+          </a:ln>
+          <a:effectLst/>
+        </p:spPr>
+        <p:style>
+          <a:lnRef idx="1">
+            <a:schemeClr val="accent1"/>
+          </a:lnRef>
+          <a:fillRef idx="3">
+            <a:schemeClr val="accent1"/>
+          </a:fillRef>
+          <a:effectRef idx="2">
+            <a:schemeClr val="accent1"/>
+          </a:effectRef>
+          <a:fontRef idx="minor">
+            <a:schemeClr val="lt1"/>
+          </a:fontRef>
+        </p:style>
+        <p:txBody>
+          <a:bodyPr rot="0" spcFirstLastPara="0" vertOverflow="overflow" horzOverflow="overflow" vert="horz" wrap="square" lIns="91440" tIns="45720" rIns="91440" bIns="45720" numCol="1" spcCol="0" rtlCol="0" fromWordArt="0" anchor="ctr" anchorCtr="0" forceAA="0" compatLnSpc="1">
+            <a:prstTxWarp prst="textNoShape">
+              <a:avLst/>
+            </a:prstTxWarp>
+            <a:noAutofit/>
+          </a:bodyPr>
+          <a:lstStyle/>
+          <a:p>
             <a:pPr algn="ctr"/>
             <a:r>
-              <a:rPr kumimoji="1" lang="ja-JP" altLang="en-US" sz="3600" dirty="0" smtClean="0"/>
-              <a:t>作成したヒストグラム</a:t>
-            </a:r>
-            <a:endParaRPr kumimoji="1" lang="ja-JP" altLang="en-US" sz="3600" dirty="0"/>
+              <a:rPr lang="ja-JP" altLang="en-US" sz="3600" dirty="0" smtClean="0">
+                <a:solidFill>
+                  <a:schemeClr val="tx1"/>
+                </a:solidFill>
+                <a:latin typeface="+mn-ea"/>
+              </a:rPr>
+              <a:t>プロジェクトマネジメント</a:t>
+            </a:r>
+            <a:endParaRPr lang="en-US" altLang="ja-JP" sz="3600" dirty="0" smtClean="0">
+              <a:solidFill>
+                <a:schemeClr val="tx1"/>
+              </a:solidFill>
+              <a:latin typeface="+mn-ea"/>
+            </a:endParaRPr>
+          </a:p>
+          <a:p>
+            <a:pPr algn="ctr"/>
+            <a:r>
+              <a:rPr lang="ja-JP" altLang="en-US" sz="3600" dirty="0" smtClean="0">
+                <a:solidFill>
+                  <a:schemeClr val="tx1"/>
+                </a:solidFill>
+                <a:latin typeface="+mn-ea"/>
+              </a:rPr>
+              <a:t>の状況</a:t>
+            </a:r>
+            <a:endParaRPr lang="ja-JP" altLang="en-US" sz="3600" dirty="0">
+              <a:solidFill>
+                <a:schemeClr val="tx1"/>
+              </a:solidFill>
+              <a:latin typeface="+mn-ea"/>
+            </a:endParaRPr>
+          </a:p>
+        </p:txBody>
+      </p:sp>
+      <p:sp>
+        <p:nvSpPr>
+          <p:cNvPr id="54" name="右矢印 53"/>
+          <p:cNvSpPr/>
+          <p:nvPr/>
+        </p:nvSpPr>
+        <p:spPr>
+          <a:xfrm>
+            <a:off x="7335787" y="12427781"/>
+            <a:ext cx="5420098" cy="1272046"/>
+          </a:xfrm>
+          <a:prstGeom prst="rightArrow">
+            <a:avLst/>
+          </a:prstGeom>
+        </p:spPr>
+        <p:style>
+          <a:lnRef idx="2">
+            <a:schemeClr val="accent1">
+              <a:shade val="50000"/>
+            </a:schemeClr>
+          </a:lnRef>
+          <a:fillRef idx="1">
+            <a:schemeClr val="accent1"/>
+          </a:fillRef>
+          <a:effectRef idx="0">
+            <a:schemeClr val="accent1"/>
+          </a:effectRef>
+          <a:fontRef idx="minor">
+            <a:schemeClr val="lt1"/>
+          </a:fontRef>
+        </p:style>
+        <p:txBody>
+          <a:bodyPr rtlCol="0" anchor="ctr"/>
+          <a:lstStyle/>
+          <a:p>
+            <a:pPr algn="ctr"/>
+            <a:endParaRPr kumimoji="1" lang="ja-JP" altLang="en-US" dirty="0"/>
+          </a:p>
+        </p:txBody>
+      </p:sp>
+      <p:sp>
+        <p:nvSpPr>
+          <p:cNvPr id="57" name="角丸四角形 56"/>
+          <p:cNvSpPr/>
+          <p:nvPr/>
+        </p:nvSpPr>
+        <p:spPr>
+          <a:xfrm>
+            <a:off x="625948" y="11815214"/>
+            <a:ext cx="5497580" cy="2028629"/>
+          </a:xfrm>
+          <a:prstGeom prst="roundRect">
+            <a:avLst/>
+          </a:prstGeom>
+          <a:noFill/>
+          <a:ln>
+            <a:solidFill>
+              <a:schemeClr val="accent1"/>
+            </a:solidFill>
+          </a:ln>
+          <a:effectLst/>
+        </p:spPr>
+        <p:style>
+          <a:lnRef idx="1">
+            <a:schemeClr val="accent1"/>
+          </a:lnRef>
+          <a:fillRef idx="3">
+            <a:schemeClr val="accent1"/>
+          </a:fillRef>
+          <a:effectRef idx="2">
+            <a:schemeClr val="accent1"/>
+          </a:effectRef>
+          <a:fontRef idx="minor">
+            <a:schemeClr val="lt1"/>
+          </a:fontRef>
+        </p:style>
+        <p:txBody>
+          <a:bodyPr rot="0" spcFirstLastPara="0" vertOverflow="overflow" horzOverflow="overflow" vert="horz" wrap="square" lIns="91440" tIns="45720" rIns="91440" bIns="45720" numCol="1" spcCol="0" rtlCol="0" fromWordArt="0" anchor="ctr" anchorCtr="0" forceAA="0" compatLnSpc="1">
+            <a:prstTxWarp prst="textNoShape">
+              <a:avLst/>
+            </a:prstTxWarp>
+            <a:noAutofit/>
+          </a:bodyPr>
+          <a:lstStyle/>
+          <a:p>
+            <a:pPr algn="ctr"/>
+            <a:r>
+              <a:rPr lang="en-US" altLang="ja-JP" sz="3600" dirty="0" smtClean="0">
+                <a:solidFill>
+                  <a:schemeClr val="tx1"/>
+                </a:solidFill>
+                <a:latin typeface="+mn-ea"/>
+              </a:rPr>
+              <a:t>Wikipedia</a:t>
+            </a:r>
+          </a:p>
+          <a:p>
+            <a:pPr algn="ctr"/>
+            <a:r>
+              <a:rPr lang="ja-JP" altLang="en-US" sz="3600" dirty="0" smtClean="0">
+                <a:solidFill>
+                  <a:schemeClr val="tx1"/>
+                </a:solidFill>
+                <a:latin typeface="+mn-ea"/>
+              </a:rPr>
+              <a:t>編集履歴データ</a:t>
+            </a:r>
+            <a:endParaRPr lang="ja-JP" altLang="en-US" sz="3600" dirty="0">
+              <a:solidFill>
+                <a:schemeClr val="tx1"/>
+              </a:solidFill>
+              <a:latin typeface="+mn-ea"/>
+            </a:endParaRPr>
+          </a:p>
+        </p:txBody>
+      </p:sp>
+      <p:sp>
+        <p:nvSpPr>
+          <p:cNvPr id="20" name="テキスト ボックス 19"/>
+          <p:cNvSpPr txBox="1"/>
+          <p:nvPr/>
+        </p:nvSpPr>
+        <p:spPr>
+          <a:xfrm>
+            <a:off x="8175911" y="11490806"/>
+            <a:ext cx="4170913" cy="984885"/>
+          </a:xfrm>
+          <a:prstGeom prst="rect">
+            <a:avLst/>
+          </a:prstGeom>
+          <a:noFill/>
+        </p:spPr>
+        <p:txBody>
+          <a:bodyPr wrap="square" rtlCol="0">
+            <a:spAutoFit/>
+          </a:bodyPr>
+          <a:lstStyle/>
+          <a:p>
+            <a:r>
+              <a:rPr kumimoji="1" lang="ja-JP" altLang="en-US" dirty="0" smtClean="0"/>
+              <a:t>マイニング</a:t>
+            </a:r>
+            <a:endParaRPr kumimoji="1" lang="ja-JP" altLang="en-US" dirty="0"/>
+          </a:p>
+        </p:txBody>
+      </p:sp>
+      <p:sp>
+        <p:nvSpPr>
+          <p:cNvPr id="23" name="角丸四角形吹き出し 22"/>
+          <p:cNvSpPr/>
+          <p:nvPr/>
+        </p:nvSpPr>
+        <p:spPr>
+          <a:xfrm>
+            <a:off x="8471516" y="7867179"/>
+            <a:ext cx="4663194" cy="1747450"/>
+          </a:xfrm>
+          <a:prstGeom prst="wedgeRoundRectCallout">
+            <a:avLst>
+              <a:gd name="adj1" fmla="val -21650"/>
+              <a:gd name="adj2" fmla="val -71521"/>
+              <a:gd name="adj3" fmla="val 16667"/>
+            </a:avLst>
+          </a:prstGeom>
+          <a:solidFill>
+            <a:schemeClr val="bg1"/>
+          </a:solidFill>
+          <a:ln>
+            <a:solidFill>
+              <a:schemeClr val="accent1">
+                <a:alpha val="95000"/>
+              </a:schemeClr>
+            </a:solidFill>
+          </a:ln>
+        </p:spPr>
+        <p:style>
+          <a:lnRef idx="2">
+            <a:schemeClr val="accent1">
+              <a:shade val="50000"/>
+            </a:schemeClr>
+          </a:lnRef>
+          <a:fillRef idx="1">
+            <a:schemeClr val="accent1"/>
+          </a:fillRef>
+          <a:effectRef idx="0">
+            <a:schemeClr val="accent1"/>
+          </a:effectRef>
+          <a:fontRef idx="minor">
+            <a:schemeClr val="lt1"/>
+          </a:fontRef>
+        </p:style>
+        <p:txBody>
+          <a:bodyPr rtlCol="0" anchor="ctr"/>
+          <a:lstStyle/>
+          <a:p>
+            <a:pPr algn="ctr"/>
+            <a:r>
+              <a:rPr kumimoji="1" lang="ja-JP" altLang="en-US" sz="3600" dirty="0" smtClean="0">
+                <a:solidFill>
+                  <a:schemeClr val="tx1"/>
+                </a:solidFill>
+              </a:rPr>
+              <a:t>どうやって記事の中立性を保っている？</a:t>
+            </a:r>
+            <a:endParaRPr kumimoji="1" lang="en-US" altLang="ja-JP" sz="3600" dirty="0" smtClean="0">
+              <a:solidFill>
+                <a:schemeClr val="tx1"/>
+              </a:solidFill>
+            </a:endParaRPr>
+          </a:p>
+        </p:txBody>
+      </p:sp>
+      <p:sp>
+        <p:nvSpPr>
+          <p:cNvPr id="58" name="角丸四角形吹き出し 57"/>
+          <p:cNvSpPr/>
+          <p:nvPr/>
+        </p:nvSpPr>
+        <p:spPr>
+          <a:xfrm>
+            <a:off x="900312" y="7873645"/>
+            <a:ext cx="4663194" cy="1747450"/>
+          </a:xfrm>
+          <a:prstGeom prst="wedgeRoundRectCallout">
+            <a:avLst>
+              <a:gd name="adj1" fmla="val -21650"/>
+              <a:gd name="adj2" fmla="val -71521"/>
+              <a:gd name="adj3" fmla="val 16667"/>
+            </a:avLst>
+          </a:prstGeom>
+          <a:solidFill>
+            <a:schemeClr val="bg1"/>
+          </a:solidFill>
+          <a:ln>
+            <a:solidFill>
+              <a:schemeClr val="accent1">
+                <a:alpha val="95000"/>
+              </a:schemeClr>
+            </a:solidFill>
+          </a:ln>
+        </p:spPr>
+        <p:style>
+          <a:lnRef idx="2">
+            <a:schemeClr val="accent1">
+              <a:shade val="50000"/>
+            </a:schemeClr>
+          </a:lnRef>
+          <a:fillRef idx="1">
+            <a:schemeClr val="accent1"/>
+          </a:fillRef>
+          <a:effectRef idx="0">
+            <a:schemeClr val="accent1"/>
+          </a:effectRef>
+          <a:fontRef idx="minor">
+            <a:schemeClr val="lt1"/>
+          </a:fontRef>
+        </p:style>
+        <p:txBody>
+          <a:bodyPr rtlCol="0" anchor="ctr"/>
+          <a:lstStyle/>
+          <a:p>
+            <a:pPr algn="ctr"/>
+            <a:r>
+              <a:rPr lang="en-US" altLang="ja-JP" sz="3600" dirty="0" smtClean="0">
+                <a:solidFill>
+                  <a:schemeClr val="tx1"/>
+                </a:solidFill>
+              </a:rPr>
+              <a:t>Wikipedia</a:t>
+            </a:r>
+            <a:r>
+              <a:rPr lang="ja-JP" altLang="en-US" sz="3600" smtClean="0">
+                <a:solidFill>
+                  <a:schemeClr val="tx1"/>
+                </a:solidFill>
+              </a:rPr>
+              <a:t>は集合知</a:t>
+            </a:r>
+            <a:endParaRPr kumimoji="1" lang="en-US" altLang="ja-JP" sz="3600" dirty="0" smtClean="0">
+              <a:solidFill>
+                <a:schemeClr val="tx1"/>
+              </a:solidFill>
+            </a:endParaRPr>
           </a:p>
         </p:txBody>
       </p:sp>

--- a/卒業論文/2015/春川直幸/中間審査発表/卒論中間発表ポスター.pptx
+++ b/卒業論文/2015/春川直幸/中間審査発表/卒論中間発表ポスター.pptx
@@ -211,7 +211,7 @@
           <a:p>
             <a:fld id="{1355B614-8C80-42CD-A0C7-A8AC0A708725}" type="datetimeFigureOut">
               <a:rPr kumimoji="1" lang="ja-JP" altLang="en-US" smtClean="0"/>
-              <a:t>2016/10/12</a:t>
+              <a:t>2016/10/13</a:t>
             </a:fld>
             <a:endParaRPr kumimoji="1" lang="ja-JP" altLang="en-US"/>
           </a:p>
@@ -726,7 +726,7 @@
           <a:p>
             <a:fld id="{CD18CB5A-6947-405F-A94A-52FF85729738}" type="datetimeFigureOut">
               <a:rPr kumimoji="1" lang="ja-JP" altLang="en-US" smtClean="0"/>
-              <a:t>2016/10/12</a:t>
+              <a:t>2016/10/13</a:t>
             </a:fld>
             <a:endParaRPr kumimoji="1" lang="ja-JP" altLang="en-US"/>
           </a:p>
@@ -928,7 +928,7 @@
           <a:p>
             <a:fld id="{CD18CB5A-6947-405F-A94A-52FF85729738}" type="datetimeFigureOut">
               <a:rPr kumimoji="1" lang="ja-JP" altLang="en-US" smtClean="0"/>
-              <a:t>2016/10/12</a:t>
+              <a:t>2016/10/13</a:t>
             </a:fld>
             <a:endParaRPr kumimoji="1" lang="ja-JP" altLang="en-US"/>
           </a:p>
@@ -1140,7 +1140,7 @@
           <a:p>
             <a:fld id="{CD18CB5A-6947-405F-A94A-52FF85729738}" type="datetimeFigureOut">
               <a:rPr kumimoji="1" lang="ja-JP" altLang="en-US" smtClean="0"/>
-              <a:t>2016/10/12</a:t>
+              <a:t>2016/10/13</a:t>
             </a:fld>
             <a:endParaRPr kumimoji="1" lang="ja-JP" altLang="en-US"/>
           </a:p>
@@ -1342,7 +1342,7 @@
           <a:p>
             <a:fld id="{CD18CB5A-6947-405F-A94A-52FF85729738}" type="datetimeFigureOut">
               <a:rPr kumimoji="1" lang="ja-JP" altLang="en-US" smtClean="0"/>
-              <a:t>2016/10/12</a:t>
+              <a:t>2016/10/13</a:t>
             </a:fld>
             <a:endParaRPr kumimoji="1" lang="ja-JP" altLang="en-US"/>
           </a:p>
@@ -1588,7 +1588,7 @@
           <a:p>
             <a:fld id="{CD18CB5A-6947-405F-A94A-52FF85729738}" type="datetimeFigureOut">
               <a:rPr kumimoji="1" lang="ja-JP" altLang="en-US" smtClean="0"/>
-              <a:t>2016/10/12</a:t>
+              <a:t>2016/10/13</a:t>
             </a:fld>
             <a:endParaRPr kumimoji="1" lang="ja-JP" altLang="en-US"/>
           </a:p>
@@ -1884,7 +1884,7 @@
           <a:p>
             <a:fld id="{CD18CB5A-6947-405F-A94A-52FF85729738}" type="datetimeFigureOut">
               <a:rPr kumimoji="1" lang="ja-JP" altLang="en-US" smtClean="0"/>
-              <a:t>2016/10/12</a:t>
+              <a:t>2016/10/13</a:t>
             </a:fld>
             <a:endParaRPr kumimoji="1" lang="ja-JP" altLang="en-US"/>
           </a:p>
@@ -2315,7 +2315,7 @@
           <a:p>
             <a:fld id="{CD18CB5A-6947-405F-A94A-52FF85729738}" type="datetimeFigureOut">
               <a:rPr kumimoji="1" lang="ja-JP" altLang="en-US" smtClean="0"/>
-              <a:t>2016/10/12</a:t>
+              <a:t>2016/10/13</a:t>
             </a:fld>
             <a:endParaRPr kumimoji="1" lang="ja-JP" altLang="en-US"/>
           </a:p>
@@ -2433,7 +2433,7 @@
           <a:p>
             <a:fld id="{CD18CB5A-6947-405F-A94A-52FF85729738}" type="datetimeFigureOut">
               <a:rPr kumimoji="1" lang="ja-JP" altLang="en-US" smtClean="0"/>
-              <a:t>2016/10/12</a:t>
+              <a:t>2016/10/13</a:t>
             </a:fld>
             <a:endParaRPr kumimoji="1" lang="ja-JP" altLang="en-US"/>
           </a:p>
@@ -2528,7 +2528,7 @@
           <a:p>
             <a:fld id="{CD18CB5A-6947-405F-A94A-52FF85729738}" type="datetimeFigureOut">
               <a:rPr kumimoji="1" lang="ja-JP" altLang="en-US" smtClean="0"/>
-              <a:t>2016/10/12</a:t>
+              <a:t>2016/10/13</a:t>
             </a:fld>
             <a:endParaRPr kumimoji="1" lang="ja-JP" altLang="en-US"/>
           </a:p>
@@ -2837,7 +2837,7 @@
           <a:p>
             <a:fld id="{CD18CB5A-6947-405F-A94A-52FF85729738}" type="datetimeFigureOut">
               <a:rPr kumimoji="1" lang="ja-JP" altLang="en-US" smtClean="0"/>
-              <a:t>2016/10/12</a:t>
+              <a:t>2016/10/13</a:t>
             </a:fld>
             <a:endParaRPr kumimoji="1" lang="ja-JP" altLang="en-US"/>
           </a:p>
@@ -3090,7 +3090,7 @@
           <a:p>
             <a:fld id="{CD18CB5A-6947-405F-A94A-52FF85729738}" type="datetimeFigureOut">
               <a:rPr kumimoji="1" lang="ja-JP" altLang="en-US" smtClean="0"/>
-              <a:t>2016/10/12</a:t>
+              <a:t>2016/10/13</a:t>
             </a:fld>
             <a:endParaRPr kumimoji="1" lang="ja-JP" altLang="en-US"/>
           </a:p>
@@ -3335,7 +3335,7 @@
           <a:p>
             <a:fld id="{CD18CB5A-6947-405F-A94A-52FF85729738}" type="datetimeFigureOut">
               <a:rPr kumimoji="1" lang="ja-JP" altLang="en-US" smtClean="0"/>
-              <a:t>2016/10/12</a:t>
+              <a:t>2016/10/13</a:t>
             </a:fld>
             <a:endParaRPr kumimoji="1" lang="ja-JP" altLang="en-US"/>
           </a:p>
@@ -4049,34 +4049,24 @@
           <a:lstStyle/>
           <a:p>
             <a:r>
-              <a:rPr lang="ja-JP" altLang="en-US" sz="3600" dirty="0">
-                <a:solidFill>
-                  <a:schemeClr val="tx1"/>
-                </a:solidFill>
-                <a:latin typeface="+mn-ea"/>
-              </a:rPr>
-              <a:t>分析の精度を</a:t>
-            </a:r>
-            <a:r>
               <a:rPr lang="ja-JP" altLang="en-US" sz="3600" dirty="0" smtClean="0">
                 <a:solidFill>
                   <a:schemeClr val="tx1"/>
                 </a:solidFill>
                 <a:latin typeface="+mn-ea"/>
               </a:rPr>
-              <a:t>上げるため</a:t>
-            </a:r>
-            <a:r>
-              <a:rPr lang="ja-JP" altLang="en-US" sz="3600" dirty="0">
-                <a:solidFill>
-                  <a:schemeClr val="tx1"/>
-                </a:solidFill>
-                <a:latin typeface="+mn-ea"/>
-              </a:rPr>
-              <a:t>，引き続き</a:t>
-            </a:r>
-            <a:r>
-              <a:rPr lang="en-US" altLang="ja-JP" sz="3600" dirty="0">
+              <a:t>編集履歴データの取得を手動で行っていたので時間がかかっていたため，</a:t>
+            </a:r>
+            <a:endParaRPr lang="en-US" altLang="ja-JP" sz="3600" dirty="0">
+              <a:solidFill>
+                <a:schemeClr val="tx1"/>
+              </a:solidFill>
+              <a:latin typeface="+mn-ea"/>
+            </a:endParaRPr>
+          </a:p>
+          <a:p>
+            <a:r>
+              <a:rPr lang="en-US" altLang="ja-JP" sz="3600" dirty="0" smtClean="0">
                 <a:solidFill>
                   <a:schemeClr val="tx1"/>
                 </a:solidFill>
@@ -4085,50 +4075,24 @@
               <a:t>Wikipedia</a:t>
             </a:r>
             <a:r>
-              <a:rPr lang="ja-JP" altLang="en-US" sz="3600" dirty="0">
-                <a:solidFill>
-                  <a:schemeClr val="tx1"/>
-                </a:solidFill>
-                <a:latin typeface="+mn-ea"/>
-              </a:rPr>
-              <a:t>の編集履歴データを取得する</a:t>
-            </a:r>
-            <a:r>
               <a:rPr lang="ja-JP" altLang="en-US" sz="3600" dirty="0" smtClean="0">
                 <a:solidFill>
                   <a:schemeClr val="tx1"/>
                 </a:solidFill>
                 <a:latin typeface="+mn-ea"/>
               </a:rPr>
-              <a:t>．</a:t>
-            </a:r>
-            <a:endParaRPr lang="en-US" altLang="ja-JP" sz="3600" dirty="0" smtClean="0">
-              <a:solidFill>
-                <a:schemeClr val="tx1"/>
-              </a:solidFill>
-              <a:latin typeface="+mn-ea"/>
-            </a:endParaRPr>
-          </a:p>
-          <a:p>
-            <a:r>
-              <a:rPr lang="ja-JP" altLang="en-US" sz="3600" dirty="0" smtClean="0">
+              <a:t>の全編集履歴データを取得し，解析する</a:t>
+            </a:r>
+            <a:r>
+              <a:rPr lang="ja-JP" altLang="en-US" sz="4800" dirty="0" smtClean="0">
                 <a:solidFill>
                   <a:schemeClr val="tx1"/>
                 </a:solidFill>
                 <a:latin typeface="+mn-ea"/>
               </a:rPr>
-              <a:t>また</a:t>
-            </a:r>
-            <a:r>
-              <a:rPr lang="ja-JP" altLang="en-US" sz="3600" dirty="0" smtClean="0">
-                <a:solidFill>
-                  <a:schemeClr val="tx1"/>
-                </a:solidFill>
-                <a:latin typeface="+mn-ea"/>
-              </a:rPr>
-              <a:t>，別の分析方法も行うようにする．</a:t>
-            </a:r>
-            <a:endParaRPr lang="en-US" altLang="ja-JP" sz="3600" dirty="0" smtClean="0">
+              <a:t>．</a:t>
+            </a:r>
+            <a:endParaRPr lang="en-US" altLang="ja-JP" sz="4800" dirty="0" smtClean="0">
               <a:solidFill>
                 <a:schemeClr val="tx1"/>
               </a:solidFill>
@@ -4586,8 +4550,8 @@
         </p:nvSpPr>
         <p:spPr>
           <a:xfrm>
-            <a:off x="11028134" y="25586589"/>
-            <a:ext cx="8568953" cy="646331"/>
+            <a:off x="11028133" y="25159788"/>
+            <a:ext cx="8568953" cy="1200329"/>
           </a:xfrm>
           <a:prstGeom prst="rect">
             <a:avLst/>
@@ -4602,8 +4566,20 @@
           <a:p>
             <a:pPr algn="ctr"/>
             <a:r>
-              <a:rPr kumimoji="1" lang="ja-JP" altLang="en-US" sz="3600" dirty="0" smtClean="0"/>
-              <a:t>作成したヒストグラム</a:t>
+              <a:rPr lang="ja-JP" altLang="en-US" sz="3600" dirty="0"/>
+              <a:t>「</a:t>
+            </a:r>
+            <a:r>
+              <a:rPr lang="ja-JP" altLang="en-US" sz="3600" dirty="0" smtClean="0"/>
+              <a:t>ギラファノコギリクワガタ」</a:t>
+            </a:r>
+            <a:endParaRPr lang="en-US" altLang="ja-JP" sz="3600" dirty="0" smtClean="0"/>
+          </a:p>
+          <a:p>
+            <a:pPr algn="ctr"/>
+            <a:r>
+              <a:rPr lang="ja-JP" altLang="en-US" sz="3600" dirty="0" smtClean="0"/>
+              <a:t>編集履歴データのヒストグラム</a:t>
             </a:r>
             <a:endParaRPr kumimoji="1" lang="ja-JP" altLang="en-US" sz="3600" dirty="0"/>
           </a:p>
@@ -4617,7 +4593,7 @@
         </p:nvSpPr>
         <p:spPr>
           <a:xfrm>
-            <a:off x="243975" y="4673195"/>
+            <a:off x="396256" y="4673195"/>
             <a:ext cx="5256584" cy="2729828"/>
           </a:xfrm>
           <a:prstGeom prst="ellipse">
@@ -4652,7 +4628,6 @@
           <a:bodyPr rtlCol="0" anchor="ctr"/>
           <a:lstStyle/>
           <a:p>
-            <a:pPr algn="ctr"/>
             <a:r>
               <a:rPr kumimoji="1" lang="en-US" altLang="ja-JP" sz="3600" dirty="0" smtClean="0">
                 <a:solidFill>
@@ -4685,7 +4660,7 @@
         </p:nvSpPr>
         <p:spPr>
           <a:xfrm>
-            <a:off x="7878126" y="4410796"/>
+            <a:off x="8029104" y="4410796"/>
             <a:ext cx="5256584" cy="2904418"/>
           </a:xfrm>
           <a:prstGeom prst="ellipse">
@@ -4720,7 +4695,6 @@
           <a:bodyPr rtlCol="0" anchor="ctr"/>
           <a:lstStyle/>
           <a:p>
-            <a:pPr algn="ctr"/>
             <a:r>
               <a:rPr kumimoji="1" lang="ja-JP" altLang="en-US" sz="3600" dirty="0" smtClean="0">
                 <a:solidFill>
@@ -4745,7 +4719,7 @@
         </p:nvSpPr>
         <p:spPr>
           <a:xfrm>
-            <a:off x="5822719" y="5706939"/>
+            <a:off x="5961184" y="5346899"/>
             <a:ext cx="1923904" cy="1272046"/>
           </a:xfrm>
           <a:prstGeom prst="rightArrow">
@@ -4785,7 +4759,7 @@
         </p:nvSpPr>
         <p:spPr>
           <a:xfrm>
-            <a:off x="15420661" y="4554811"/>
+            <a:off x="15661952" y="4554811"/>
             <a:ext cx="5256584" cy="2689500"/>
           </a:xfrm>
           <a:prstGeom prst="ellipse">
@@ -4820,7 +4794,6 @@
           <a:bodyPr rtlCol="0" anchor="ctr"/>
           <a:lstStyle/>
           <a:p>
-            <a:pPr algn="ctr"/>
             <a:r>
               <a:rPr kumimoji="1" lang="ja-JP" altLang="en-US" sz="3600" dirty="0" smtClean="0">
                 <a:solidFill>
@@ -4845,7 +4818,7 @@
         </p:nvSpPr>
         <p:spPr>
           <a:xfrm>
-            <a:off x="13388706" y="5562923"/>
+            <a:off x="13594032" y="5274891"/>
             <a:ext cx="1923904" cy="1272046"/>
           </a:xfrm>
           <a:prstGeom prst="rightArrow">
@@ -4885,7 +4858,7 @@
         </p:nvSpPr>
         <p:spPr>
           <a:xfrm>
-            <a:off x="1281031" y="18254203"/>
+            <a:off x="1281031" y="18092315"/>
             <a:ext cx="6391785" cy="1558691"/>
           </a:xfrm>
           <a:prstGeom prst="roundRect">
@@ -4922,7 +4895,6 @@
           </a:bodyPr>
           <a:lstStyle/>
           <a:p>
-            <a:pPr algn="ctr"/>
             <a:r>
               <a:rPr lang="ja-JP" altLang="en-US" sz="3600" dirty="0">
                 <a:solidFill>
@@ -4958,8 +4930,8 @@
         </p:nvSpPr>
         <p:spPr>
           <a:xfrm>
-            <a:off x="468264" y="15632206"/>
-            <a:ext cx="7727886" cy="762886"/>
+            <a:off x="1266099" y="15638835"/>
+            <a:ext cx="6336704" cy="797296"/>
           </a:xfrm>
           <a:prstGeom prst="roundRect">
             <a:avLst/>
@@ -5003,7 +4975,7 @@
                 </a:solidFill>
                 <a:latin typeface="+mn-ea"/>
               </a:rPr>
-              <a:t>編集回数や版の情報量を取得</a:t>
+              <a:t>編集回数や版の情報量を</a:t>
             </a:r>
             <a:r>
               <a:rPr lang="ja-JP" altLang="en-US" sz="3600" dirty="0" smtClean="0">
@@ -5012,7 +4984,7 @@
                 </a:solidFill>
                 <a:latin typeface="+mn-ea"/>
               </a:rPr>
-              <a:t>．</a:t>
+              <a:t>取得</a:t>
             </a:r>
             <a:endParaRPr lang="ja-JP" altLang="en-US" sz="3600" dirty="0">
               <a:solidFill>
@@ -5031,8 +5003,8 @@
         </p:nvSpPr>
         <p:spPr>
           <a:xfrm>
-            <a:off x="1354838" y="21507660"/>
-            <a:ext cx="6391785" cy="1801446"/>
+            <a:off x="1354838" y="21365716"/>
+            <a:ext cx="6391785" cy="831055"/>
           </a:xfrm>
           <a:prstGeom prst="roundRect">
             <a:avLst/>
@@ -5070,30 +5042,6 @@
           <a:p>
             <a:pPr algn="ctr"/>
             <a:r>
-              <a:rPr lang="ja-JP" altLang="en-US" sz="3600" dirty="0">
-                <a:solidFill>
-                  <a:schemeClr val="tx1"/>
-                </a:solidFill>
-              </a:rPr>
-              <a:t>統計解析ソフト「</a:t>
-            </a:r>
-            <a:r>
-              <a:rPr lang="en-US" altLang="ja-JP" sz="3600" dirty="0">
-                <a:solidFill>
-                  <a:schemeClr val="tx1"/>
-                </a:solidFill>
-              </a:rPr>
-              <a:t>R</a:t>
-            </a:r>
-            <a:r>
-              <a:rPr lang="ja-JP" altLang="en-US" sz="3600" dirty="0" smtClean="0">
-                <a:solidFill>
-                  <a:schemeClr val="tx1"/>
-                </a:solidFill>
-              </a:rPr>
-              <a:t>」で</a:t>
-            </a:r>
-            <a:r>
               <a:rPr lang="ja-JP" altLang="en-US" sz="3600" dirty="0" smtClean="0">
                 <a:solidFill>
                   <a:schemeClr val="tx1"/>
@@ -5137,7 +5085,7 @@
         </p:nvSpPr>
         <p:spPr>
           <a:xfrm rot="5400000">
-            <a:off x="3695802" y="16790670"/>
+            <a:off x="3695802" y="16679502"/>
             <a:ext cx="1272802" cy="1218109"/>
           </a:xfrm>
           <a:prstGeom prst="rightArrow">
@@ -5177,7 +5125,7 @@
         </p:nvSpPr>
         <p:spPr>
           <a:xfrm rot="5400000">
-            <a:off x="3695802" y="19977211"/>
+            <a:off x="3695802" y="19847854"/>
             <a:ext cx="1272802" cy="1218109"/>
           </a:xfrm>
           <a:prstGeom prst="rightArrow">
@@ -5206,66 +5154,6 @@
           <a:p>
             <a:pPr algn="ctr"/>
             <a:endParaRPr kumimoji="1" lang="ja-JP" altLang="en-US"/>
-          </a:p>
-        </p:txBody>
-      </p:sp>
-      <p:pic>
-        <p:nvPicPr>
-          <p:cNvPr id="16" name="図 15"/>
-          <p:cNvPicPr>
-            <a:picLocks noChangeAspect="1"/>
-          </p:cNvPicPr>
-          <p:nvPr/>
-        </p:nvPicPr>
-        <p:blipFill>
-          <a:blip r:embed="rId4" cstate="print">
-            <a:extLst>
-              <a:ext uri="{28A0092B-C50C-407E-A947-70E740481C1C}">
-                <a14:useLocalDpi xmlns:a14="http://schemas.microsoft.com/office/drawing/2010/main" val="0"/>
-              </a:ext>
-            </a:extLst>
-          </a:blip>
-          <a:stretch>
-            <a:fillRect/>
-          </a:stretch>
-        </p:blipFill>
-        <p:spPr>
-          <a:xfrm>
-            <a:off x="905469" y="23779729"/>
-            <a:ext cx="4176446" cy="2326269"/>
-          </a:xfrm>
-          <a:prstGeom prst="rect">
-            <a:avLst/>
-          </a:prstGeom>
-        </p:spPr>
-      </p:pic>
-      <p:sp>
-        <p:nvSpPr>
-          <p:cNvPr id="17" name="テキスト ボックス 16"/>
-          <p:cNvSpPr txBox="1"/>
-          <p:nvPr/>
-        </p:nvSpPr>
-        <p:spPr>
-          <a:xfrm>
-            <a:off x="4461719" y="25727712"/>
-            <a:ext cx="4178654" cy="523220"/>
-          </a:xfrm>
-          <a:prstGeom prst="rect">
-            <a:avLst/>
-          </a:prstGeom>
-          <a:noFill/>
-        </p:spPr>
-        <p:txBody>
-          <a:bodyPr wrap="square" rtlCol="0">
-            <a:spAutoFit/>
-          </a:bodyPr>
-          <a:lstStyle/>
-          <a:p>
-            <a:r>
-              <a:rPr kumimoji="1" lang="ja-JP" altLang="en-US" sz="2800" dirty="0" smtClean="0"/>
-              <a:t>編集履歴のウェブページ</a:t>
-            </a:r>
-            <a:endParaRPr kumimoji="1" lang="ja-JP" altLang="en-US" sz="2800" dirty="0"/>
           </a:p>
         </p:txBody>
       </p:sp>
@@ -5399,8 +5287,8 @@
         </p:nvSpPr>
         <p:spPr>
           <a:xfrm>
-            <a:off x="625948" y="11815214"/>
-            <a:ext cx="5497580" cy="2028629"/>
+            <a:off x="1900376" y="11782173"/>
+            <a:ext cx="3835771" cy="2028629"/>
           </a:xfrm>
           <a:prstGeom prst="roundRect">
             <a:avLst/>
@@ -5505,7 +5393,7 @@
         </p:nvSpPr>
         <p:spPr>
           <a:xfrm>
-            <a:off x="8471516" y="7867179"/>
+            <a:off x="8785105" y="7873645"/>
             <a:ext cx="4663194" cy="1747450"/>
           </a:xfrm>
           <a:prstGeom prst="wedgeRoundRectCallout">
@@ -5546,7 +5434,6 @@
           <a:bodyPr rtlCol="0" anchor="ctr"/>
           <a:lstStyle/>
           <a:p>
-            <a:pPr algn="ctr"/>
             <a:r>
               <a:rPr kumimoji="1" lang="ja-JP" altLang="en-US" sz="3600" dirty="0" smtClean="0">
                 <a:solidFill>
@@ -5634,6 +5521,127 @@
                 <a:schemeClr val="tx1"/>
               </a:solidFill>
             </a:endParaRPr>
+          </a:p>
+        </p:txBody>
+      </p:sp>
+      <p:sp>
+        <p:nvSpPr>
+          <p:cNvPr id="37" name="角丸四角形 36"/>
+          <p:cNvSpPr/>
+          <p:nvPr/>
+        </p:nvSpPr>
+        <p:spPr>
+          <a:xfrm>
+            <a:off x="1332359" y="23988853"/>
+            <a:ext cx="6391785" cy="1448278"/>
+          </a:xfrm>
+          <a:prstGeom prst="roundRect">
+            <a:avLst/>
+          </a:prstGeom>
+          <a:noFill/>
+          <a:ln>
+            <a:solidFill>
+              <a:schemeClr val="accent1"/>
+            </a:solidFill>
+          </a:ln>
+          <a:effectLst/>
+        </p:spPr>
+        <p:style>
+          <a:lnRef idx="1">
+            <a:schemeClr val="accent1"/>
+          </a:lnRef>
+          <a:fillRef idx="3">
+            <a:schemeClr val="accent1"/>
+          </a:fillRef>
+          <a:effectRef idx="2">
+            <a:schemeClr val="accent1"/>
+          </a:effectRef>
+          <a:fontRef idx="minor">
+            <a:schemeClr val="lt1"/>
+          </a:fontRef>
+        </p:style>
+        <p:txBody>
+          <a:bodyPr rot="0" spcFirstLastPara="0" vertOverflow="overflow" horzOverflow="overflow" vert="horz" wrap="square" lIns="91440" tIns="45720" rIns="91440" bIns="45720" numCol="1" spcCol="0" rtlCol="0" fromWordArt="0" anchor="ctr" anchorCtr="0" forceAA="0" compatLnSpc="1">
+            <a:prstTxWarp prst="textNoShape">
+              <a:avLst/>
+            </a:prstTxWarp>
+            <a:noAutofit/>
+          </a:bodyPr>
+          <a:lstStyle/>
+          <a:p>
+            <a:r>
+              <a:rPr lang="ja-JP" altLang="en-US" sz="3600" dirty="0" smtClean="0">
+                <a:solidFill>
+                  <a:schemeClr val="tx1"/>
+                </a:solidFill>
+                <a:latin typeface="+mn-ea"/>
+              </a:rPr>
+              <a:t>ゲーム攻略</a:t>
+            </a:r>
+            <a:r>
+              <a:rPr lang="en-US" altLang="ja-JP" sz="3600" dirty="0" smtClean="0">
+                <a:solidFill>
+                  <a:schemeClr val="tx1"/>
+                </a:solidFill>
+                <a:latin typeface="+mn-ea"/>
+              </a:rPr>
+              <a:t>wiki</a:t>
+            </a:r>
+            <a:r>
+              <a:rPr lang="ja-JP" altLang="en-US" sz="3600" dirty="0" smtClean="0">
+                <a:solidFill>
+                  <a:schemeClr val="tx1"/>
+                </a:solidFill>
+                <a:latin typeface="+mn-ea"/>
+              </a:rPr>
+              <a:t>との違いを分析する</a:t>
+            </a:r>
+            <a:endParaRPr lang="ja-JP" altLang="en-US" sz="3600" dirty="0">
+              <a:solidFill>
+                <a:schemeClr val="tx1"/>
+              </a:solidFill>
+              <a:latin typeface="+mn-ea"/>
+            </a:endParaRPr>
+          </a:p>
+        </p:txBody>
+      </p:sp>
+      <p:sp>
+        <p:nvSpPr>
+          <p:cNvPr id="45" name="右矢印 44"/>
+          <p:cNvSpPr/>
+          <p:nvPr/>
+        </p:nvSpPr>
+        <p:spPr>
+          <a:xfrm rot="5400000">
+            <a:off x="3759312" y="22463483"/>
+            <a:ext cx="1272802" cy="1218109"/>
+          </a:xfrm>
+          <a:prstGeom prst="rightArrow">
+            <a:avLst/>
+          </a:prstGeom>
+        </p:spPr>
+        <p:style>
+          <a:lnRef idx="2">
+            <a:schemeClr val="accent1">
+              <a:shade val="50000"/>
+            </a:schemeClr>
+          </a:lnRef>
+          <a:fillRef idx="1">
+            <a:schemeClr val="accent1"/>
+          </a:fillRef>
+          <a:effectRef idx="0">
+            <a:schemeClr val="accent1"/>
+          </a:effectRef>
+          <a:fontRef idx="minor">
+            <a:schemeClr val="lt1"/>
+          </a:fontRef>
+        </p:style>
+        <p:txBody>
+          <a:bodyPr rtlCol="0" anchor="ctr"/>
+          <a:lstStyle/>
+          <a:p>
+            <a:pPr algn="ctr"/>
+            <a:endParaRPr kumimoji="1" lang="ja-JP" altLang="en-US"/>
           </a:p>
         </p:txBody>
       </p:sp>

--- a/卒業論文/2015/春川直幸/中間審査発表/卒論中間発表ポスター.pptx
+++ b/卒業論文/2015/春川直幸/中間審査発表/卒論中間発表ポスター.pptx
@@ -211,7 +211,7 @@
           <a:p>
             <a:fld id="{1355B614-8C80-42CD-A0C7-A8AC0A708725}" type="datetimeFigureOut">
               <a:rPr kumimoji="1" lang="ja-JP" altLang="en-US" smtClean="0"/>
-              <a:t>2016/10/13</a:t>
+              <a:t>2016/10/14</a:t>
             </a:fld>
             <a:endParaRPr kumimoji="1" lang="ja-JP" altLang="en-US"/>
           </a:p>
@@ -726,7 +726,7 @@
           <a:p>
             <a:fld id="{CD18CB5A-6947-405F-A94A-52FF85729738}" type="datetimeFigureOut">
               <a:rPr kumimoji="1" lang="ja-JP" altLang="en-US" smtClean="0"/>
-              <a:t>2016/10/13</a:t>
+              <a:t>2016/10/14</a:t>
             </a:fld>
             <a:endParaRPr kumimoji="1" lang="ja-JP" altLang="en-US"/>
           </a:p>
@@ -928,7 +928,7 @@
           <a:p>
             <a:fld id="{CD18CB5A-6947-405F-A94A-52FF85729738}" type="datetimeFigureOut">
               <a:rPr kumimoji="1" lang="ja-JP" altLang="en-US" smtClean="0"/>
-              <a:t>2016/10/13</a:t>
+              <a:t>2016/10/14</a:t>
             </a:fld>
             <a:endParaRPr kumimoji="1" lang="ja-JP" altLang="en-US"/>
           </a:p>
@@ -1140,7 +1140,7 @@
           <a:p>
             <a:fld id="{CD18CB5A-6947-405F-A94A-52FF85729738}" type="datetimeFigureOut">
               <a:rPr kumimoji="1" lang="ja-JP" altLang="en-US" smtClean="0"/>
-              <a:t>2016/10/13</a:t>
+              <a:t>2016/10/14</a:t>
             </a:fld>
             <a:endParaRPr kumimoji="1" lang="ja-JP" altLang="en-US"/>
           </a:p>
@@ -1342,7 +1342,7 @@
           <a:p>
             <a:fld id="{CD18CB5A-6947-405F-A94A-52FF85729738}" type="datetimeFigureOut">
               <a:rPr kumimoji="1" lang="ja-JP" altLang="en-US" smtClean="0"/>
-              <a:t>2016/10/13</a:t>
+              <a:t>2016/10/14</a:t>
             </a:fld>
             <a:endParaRPr kumimoji="1" lang="ja-JP" altLang="en-US"/>
           </a:p>
@@ -1588,7 +1588,7 @@
           <a:p>
             <a:fld id="{CD18CB5A-6947-405F-A94A-52FF85729738}" type="datetimeFigureOut">
               <a:rPr kumimoji="1" lang="ja-JP" altLang="en-US" smtClean="0"/>
-              <a:t>2016/10/13</a:t>
+              <a:t>2016/10/14</a:t>
             </a:fld>
             <a:endParaRPr kumimoji="1" lang="ja-JP" altLang="en-US"/>
           </a:p>
@@ -1884,7 +1884,7 @@
           <a:p>
             <a:fld id="{CD18CB5A-6947-405F-A94A-52FF85729738}" type="datetimeFigureOut">
               <a:rPr kumimoji="1" lang="ja-JP" altLang="en-US" smtClean="0"/>
-              <a:t>2016/10/13</a:t>
+              <a:t>2016/10/14</a:t>
             </a:fld>
             <a:endParaRPr kumimoji="1" lang="ja-JP" altLang="en-US"/>
           </a:p>
@@ -2315,7 +2315,7 @@
           <a:p>
             <a:fld id="{CD18CB5A-6947-405F-A94A-52FF85729738}" type="datetimeFigureOut">
               <a:rPr kumimoji="1" lang="ja-JP" altLang="en-US" smtClean="0"/>
-              <a:t>2016/10/13</a:t>
+              <a:t>2016/10/14</a:t>
             </a:fld>
             <a:endParaRPr kumimoji="1" lang="ja-JP" altLang="en-US"/>
           </a:p>
@@ -2433,7 +2433,7 @@
           <a:p>
             <a:fld id="{CD18CB5A-6947-405F-A94A-52FF85729738}" type="datetimeFigureOut">
               <a:rPr kumimoji="1" lang="ja-JP" altLang="en-US" smtClean="0"/>
-              <a:t>2016/10/13</a:t>
+              <a:t>2016/10/14</a:t>
             </a:fld>
             <a:endParaRPr kumimoji="1" lang="ja-JP" altLang="en-US"/>
           </a:p>
@@ -2528,7 +2528,7 @@
           <a:p>
             <a:fld id="{CD18CB5A-6947-405F-A94A-52FF85729738}" type="datetimeFigureOut">
               <a:rPr kumimoji="1" lang="ja-JP" altLang="en-US" smtClean="0"/>
-              <a:t>2016/10/13</a:t>
+              <a:t>2016/10/14</a:t>
             </a:fld>
             <a:endParaRPr kumimoji="1" lang="ja-JP" altLang="en-US"/>
           </a:p>
@@ -2837,7 +2837,7 @@
           <a:p>
             <a:fld id="{CD18CB5A-6947-405F-A94A-52FF85729738}" type="datetimeFigureOut">
               <a:rPr kumimoji="1" lang="ja-JP" altLang="en-US" smtClean="0"/>
-              <a:t>2016/10/13</a:t>
+              <a:t>2016/10/14</a:t>
             </a:fld>
             <a:endParaRPr kumimoji="1" lang="ja-JP" altLang="en-US"/>
           </a:p>
@@ -3090,7 +3090,7 @@
           <a:p>
             <a:fld id="{CD18CB5A-6947-405F-A94A-52FF85729738}" type="datetimeFigureOut">
               <a:rPr kumimoji="1" lang="ja-JP" altLang="en-US" smtClean="0"/>
-              <a:t>2016/10/13</a:t>
+              <a:t>2016/10/14</a:t>
             </a:fld>
             <a:endParaRPr kumimoji="1" lang="ja-JP" altLang="en-US"/>
           </a:p>
@@ -3335,7 +3335,7 @@
           <a:p>
             <a:fld id="{CD18CB5A-6947-405F-A94A-52FF85729738}" type="datetimeFigureOut">
               <a:rPr kumimoji="1" lang="ja-JP" altLang="en-US" smtClean="0"/>
-              <a:t>2016/10/13</a:t>
+              <a:t>2016/10/14</a:t>
             </a:fld>
             <a:endParaRPr kumimoji="1" lang="ja-JP" altLang="en-US"/>
           </a:p>
@@ -5003,8 +5003,8 @@
         </p:nvSpPr>
         <p:spPr>
           <a:xfrm>
-            <a:off x="1354838" y="21365716"/>
-            <a:ext cx="6391785" cy="831055"/>
+            <a:off x="2074918" y="21260667"/>
+            <a:ext cx="4730050" cy="1000794"/>
           </a:xfrm>
           <a:prstGeom prst="roundRect">
             <a:avLst/>
@@ -5040,7 +5040,6 @@
           </a:bodyPr>
           <a:lstStyle/>
           <a:p>
-            <a:pPr algn="ctr"/>
             <a:r>
               <a:rPr lang="ja-JP" altLang="en-US" sz="3600" dirty="0" smtClean="0">
                 <a:solidFill>
